--- a/pub/Council/March-14-2013/Council_Chair_Report_V1.pptx
+++ b/pub/Council/March-14-2013/Council_Chair_Report_V1.pptx
@@ -5,24 +5,25 @@
     <p:sldMasterId id="2147483692" r:id="rId1"/>
   </p:sldMasterIdLst>
   <p:notesMasterIdLst>
-    <p:notesMasterId r:id="rId14"/>
+    <p:notesMasterId r:id="rId15"/>
   </p:notesMasterIdLst>
   <p:handoutMasterIdLst>
-    <p:handoutMasterId r:id="rId15"/>
+    <p:handoutMasterId r:id="rId16"/>
   </p:handoutMasterIdLst>
   <p:sldIdLst>
-    <p:sldId id="284" r:id="rId2"/>
-    <p:sldId id="282" r:id="rId3"/>
-    <p:sldId id="272" r:id="rId4"/>
-    <p:sldId id="281" r:id="rId5"/>
-    <p:sldId id="274" r:id="rId6"/>
-    <p:sldId id="285" r:id="rId7"/>
-    <p:sldId id="275" r:id="rId8"/>
-    <p:sldId id="280" r:id="rId9"/>
-    <p:sldId id="278" r:id="rId10"/>
-    <p:sldId id="276" r:id="rId11"/>
-    <p:sldId id="277" r:id="rId12"/>
-    <p:sldId id="279" r:id="rId13"/>
+    <p:sldId id="272" r:id="rId2"/>
+    <p:sldId id="281" r:id="rId3"/>
+    <p:sldId id="286" r:id="rId4"/>
+    <p:sldId id="274" r:id="rId5"/>
+    <p:sldId id="285" r:id="rId6"/>
+    <p:sldId id="275" r:id="rId7"/>
+    <p:sldId id="280" r:id="rId8"/>
+    <p:sldId id="278" r:id="rId9"/>
+    <p:sldId id="276" r:id="rId10"/>
+    <p:sldId id="277" r:id="rId11"/>
+    <p:sldId id="279" r:id="rId12"/>
+    <p:sldId id="287" r:id="rId13"/>
+    <p:sldId id="288" r:id="rId14"/>
   </p:sldIdLst>
   <p:sldSz cx="9144000" cy="6858000" type="screen4x3"/>
   <p:notesSz cx="7010400" cy="9296400"/>
@@ -3720,26 +3721,43 @@
           <a:p>
             <a:r>
               <a:rPr lang="en-US" dirty="0" smtClean="0"/>
-              <a:t>first </a:t>
-            </a:r>
-            <a:r>
-              <a:rPr lang="en-US" dirty="0"/>
-              <a:t>– </a:t>
-            </a:r>
-            <a:br>
-              <a:rPr lang="en-US" dirty="0"/>
-            </a:br>
+              <a:t>OSG Council, Mar 14-15</a:t>
+            </a:r>
+            <a:r>
+              <a:rPr lang="en-US" baseline="30000" dirty="0" smtClean="0"/>
+              <a:t>th</a:t>
+            </a:r>
             <a:r>
               <a:rPr lang="en-US" dirty="0" smtClean="0"/>
-              <a:t>quick </a:t>
-            </a:r>
-            <a:r>
-              <a:rPr lang="en-US" dirty="0"/>
-              <a:t>Communications </a:t>
-            </a:r>
+              <a:t> 2013</a:t>
+            </a:r>
+            <a:endParaRPr lang="en-US" dirty="0"/>
+          </a:p>
+        </p:txBody>
+      </p:sp>
+      <p:sp>
+        <p:nvSpPr>
+          <p:cNvPr id="3" name="Subtitle 2"/>
+          <p:cNvSpPr>
+            <a:spLocks noGrp="1"/>
+          </p:cNvSpPr>
+          <p:nvPr>
+            <p:ph type="subTitle" idx="1"/>
+          </p:nvPr>
+        </p:nvSpPr>
+        <p:spPr>
+          <a:xfrm>
+            <a:off x="647700" y="3886200"/>
+            <a:ext cx="8128000" cy="749300"/>
+          </a:xfrm>
+        </p:spPr>
+        <p:txBody>
+          <a:bodyPr/>
+          <a:lstStyle/>
+          <a:p>
             <a:r>
               <a:rPr lang="en-US" dirty="0" smtClean="0"/>
-              <a:t>poll</a:t>
+              <a:t>Ruth Pordes, Council Chair</a:t>
             </a:r>
             <a:endParaRPr lang="en-US" dirty="0"/>
           </a:p>
@@ -3748,7 +3766,7 @@
     </p:spTree>
     <p:extLst>
       <p:ext uri="{BB962C8B-B14F-4D97-AF65-F5344CB8AC3E}">
-        <p14:creationId xmlns:p14="http://schemas.microsoft.com/office/powerpoint/2010/main" val="2674483355"/>
+        <p14:creationId xmlns:p14="http://schemas.microsoft.com/office/powerpoint/2010/main" val="1274575339"/>
       </p:ext>
     </p:extLst>
   </p:cSld>
@@ -3766,6 +3784,1979 @@
 </file>
 
 <file path=ppt/slides/slide10.xml><?xml version="1.0" encoding="utf-8"?>
+<p:sld xmlns:a="http://schemas.openxmlformats.org/drawingml/2006/main" xmlns:r="http://schemas.openxmlformats.org/officeDocument/2006/relationships" xmlns:p="http://schemas.openxmlformats.org/presentationml/2006/main">
+  <p:cSld>
+    <p:spTree>
+      <p:nvGrpSpPr>
+        <p:cNvPr id="1" name=""/>
+        <p:cNvGrpSpPr/>
+        <p:nvPr/>
+      </p:nvGrpSpPr>
+      <p:grpSpPr>
+        <a:xfrm>
+          <a:off x="0" y="0"/>
+          <a:ext cx="0" cy="0"/>
+          <a:chOff x="0" y="0"/>
+          <a:chExt cx="0" cy="0"/>
+        </a:xfrm>
+      </p:grpSpPr>
+      <p:sp>
+        <p:nvSpPr>
+          <p:cNvPr id="2" name="Title 1"/>
+          <p:cNvSpPr>
+            <a:spLocks noGrp="1"/>
+          </p:cNvSpPr>
+          <p:nvPr>
+            <p:ph type="title"/>
+          </p:nvPr>
+        </p:nvSpPr>
+        <p:spPr/>
+        <p:txBody>
+          <a:bodyPr/>
+          <a:lstStyle/>
+          <a:p>
+            <a:r>
+              <a:rPr lang="en-US" dirty="0" smtClean="0"/>
+              <a:t>My Goals for Mar Council</a:t>
+            </a:r>
+            <a:endParaRPr lang="en-US" dirty="0"/>
+          </a:p>
+        </p:txBody>
+      </p:sp>
+      <p:sp>
+        <p:nvSpPr>
+          <p:cNvPr id="3" name="Content Placeholder 2"/>
+          <p:cNvSpPr>
+            <a:spLocks noGrp="1"/>
+          </p:cNvSpPr>
+          <p:nvPr>
+            <p:ph idx="1"/>
+          </p:nvPr>
+        </p:nvSpPr>
+        <p:spPr>
+          <a:xfrm>
+            <a:off x="342900" y="1333500"/>
+            <a:ext cx="8521700" cy="4686300"/>
+          </a:xfrm>
+        </p:spPr>
+        <p:txBody>
+          <a:bodyPr/>
+          <a:lstStyle/>
+          <a:p>
+            <a:pPr marL="0" indent="0">
+              <a:buNone/>
+            </a:pPr>
+            <a:endParaRPr lang="en-US" dirty="0"/>
+          </a:p>
+          <a:p>
+            <a:pPr marL="0" indent="0">
+              <a:buNone/>
+            </a:pPr>
+            <a:r>
+              <a:rPr lang="en-US" dirty="0" smtClean="0"/>
+              <a:t>Plan for next year?</a:t>
+            </a:r>
+          </a:p>
+          <a:p>
+            <a:r>
+              <a:rPr lang="en-US" dirty="0"/>
+              <a:t>Act on sub-committee </a:t>
+            </a:r>
+            <a:r>
+              <a:rPr lang="en-US" dirty="0" smtClean="0"/>
+              <a:t>recommendations</a:t>
+            </a:r>
+          </a:p>
+          <a:p>
+            <a:r>
+              <a:rPr lang="en-US" dirty="0" smtClean="0"/>
+              <a:t>Revisit Council members key interests.</a:t>
+            </a:r>
+          </a:p>
+          <a:p>
+            <a:pPr marL="0" indent="0">
+              <a:buNone/>
+            </a:pPr>
+            <a:endParaRPr lang="en-US" dirty="0"/>
+          </a:p>
+          <a:p>
+            <a:r>
+              <a:rPr lang="en-US" dirty="0" smtClean="0"/>
+              <a:t>Get agreement on:</a:t>
+            </a:r>
+          </a:p>
+          <a:p>
+            <a:pPr lvl="1"/>
+            <a:r>
+              <a:rPr lang="en-US" dirty="0" smtClean="0"/>
+              <a:t>Quarterly </a:t>
+            </a:r>
+            <a:r>
+              <a:rPr lang="en-US" dirty="0"/>
+              <a:t>(rather than monthly) l</a:t>
+            </a:r>
+            <a:r>
+              <a:rPr lang="en-US" dirty="0" smtClean="0"/>
+              <a:t>onger, more discursive, meetings</a:t>
+            </a:r>
+          </a:p>
+          <a:p>
+            <a:pPr lvl="1"/>
+            <a:r>
+              <a:rPr lang="en-US" dirty="0" smtClean="0"/>
+              <a:t>Semi-annual in Aug/Sept a “brainstorming/white boarding” meeting</a:t>
+            </a:r>
+          </a:p>
+          <a:p>
+            <a:pPr marL="0" indent="0">
+              <a:buNone/>
+            </a:pPr>
+            <a:endParaRPr lang="en-US" dirty="0"/>
+          </a:p>
+          <a:p>
+            <a:pPr marL="0" indent="0">
+              <a:buNone/>
+            </a:pPr>
+            <a:endParaRPr lang="en-US" dirty="0"/>
+          </a:p>
+        </p:txBody>
+      </p:sp>
+      <p:sp>
+        <p:nvSpPr>
+          <p:cNvPr id="4" name="Slide Number Placeholder 3"/>
+          <p:cNvSpPr>
+            <a:spLocks noGrp="1"/>
+          </p:cNvSpPr>
+          <p:nvPr>
+            <p:ph type="sldNum" sz="quarter" idx="10"/>
+          </p:nvPr>
+        </p:nvSpPr>
+        <p:spPr/>
+        <p:txBody>
+          <a:bodyPr/>
+          <a:lstStyle/>
+          <a:p>
+            <a:pPr>
+              <a:defRPr/>
+            </a:pPr>
+            <a:fld id="{038AB4BC-D760-449D-A975-B1B41586F3D1}" type="slidenum">
+              <a:rPr lang="en-US" smtClean="0"/>
+              <a:pPr>
+                <a:defRPr/>
+              </a:pPr>
+              <a:t>10</a:t>
+            </a:fld>
+            <a:endParaRPr lang="en-US" dirty="0"/>
+          </a:p>
+        </p:txBody>
+      </p:sp>
+    </p:spTree>
+    <p:extLst>
+      <p:ext uri="{BB962C8B-B14F-4D97-AF65-F5344CB8AC3E}">
+        <p14:creationId xmlns:p14="http://schemas.microsoft.com/office/powerpoint/2010/main" val="1600918110"/>
+      </p:ext>
+    </p:extLst>
+  </p:cSld>
+  <p:clrMapOvr>
+    <a:masterClrMapping/>
+  </p:clrMapOvr>
+  <p:timing>
+    <p:tnLst>
+      <p:par>
+        <p:cTn xmlns:p14="http://schemas.microsoft.com/office/powerpoint/2010/main" id="1" dur="indefinite" restart="never" nodeType="tmRoot"/>
+      </p:par>
+    </p:tnLst>
+  </p:timing>
+</p:sld>
+</file>
+
+<file path=ppt/slides/slide11.xml><?xml version="1.0" encoding="utf-8"?>
+<p:sld xmlns:a="http://schemas.openxmlformats.org/drawingml/2006/main" xmlns:r="http://schemas.openxmlformats.org/officeDocument/2006/relationships" xmlns:p="http://schemas.openxmlformats.org/presentationml/2006/main">
+  <p:cSld>
+    <p:spTree>
+      <p:nvGrpSpPr>
+        <p:cNvPr id="1" name=""/>
+        <p:cNvGrpSpPr/>
+        <p:nvPr/>
+      </p:nvGrpSpPr>
+      <p:grpSpPr>
+        <a:xfrm>
+          <a:off x="0" y="0"/>
+          <a:ext cx="0" cy="0"/>
+          <a:chOff x="0" y="0"/>
+          <a:chExt cx="0" cy="0"/>
+        </a:xfrm>
+      </p:grpSpPr>
+      <p:sp>
+        <p:nvSpPr>
+          <p:cNvPr id="2" name="Title 1"/>
+          <p:cNvSpPr>
+            <a:spLocks noGrp="1"/>
+          </p:cNvSpPr>
+          <p:nvPr>
+            <p:ph type="title"/>
+          </p:nvPr>
+        </p:nvSpPr>
+        <p:spPr/>
+        <p:txBody>
+          <a:bodyPr/>
+          <a:lstStyle/>
+          <a:p>
+            <a:endParaRPr lang="en-US"/>
+          </a:p>
+        </p:txBody>
+      </p:sp>
+      <p:sp>
+        <p:nvSpPr>
+          <p:cNvPr id="3" name="Content Placeholder 2"/>
+          <p:cNvSpPr>
+            <a:spLocks noGrp="1"/>
+          </p:cNvSpPr>
+          <p:nvPr>
+            <p:ph idx="1"/>
+          </p:nvPr>
+        </p:nvSpPr>
+        <p:spPr/>
+        <p:txBody>
+          <a:bodyPr/>
+          <a:lstStyle/>
+          <a:p>
+            <a:endParaRPr lang="en-US"/>
+          </a:p>
+        </p:txBody>
+      </p:sp>
+      <p:sp>
+        <p:nvSpPr>
+          <p:cNvPr id="4" name="Slide Number Placeholder 3"/>
+          <p:cNvSpPr>
+            <a:spLocks noGrp="1"/>
+          </p:cNvSpPr>
+          <p:nvPr>
+            <p:ph type="sldNum" sz="quarter" idx="10"/>
+          </p:nvPr>
+        </p:nvSpPr>
+        <p:spPr/>
+        <p:txBody>
+          <a:bodyPr/>
+          <a:lstStyle/>
+          <a:p>
+            <a:pPr>
+              <a:defRPr/>
+            </a:pPr>
+            <a:fld id="{038AB4BC-D760-449D-A975-B1B41586F3D1}" type="slidenum">
+              <a:rPr lang="en-US" smtClean="0"/>
+              <a:pPr>
+                <a:defRPr/>
+              </a:pPr>
+              <a:t>11</a:t>
+            </a:fld>
+            <a:endParaRPr lang="en-US" dirty="0"/>
+          </a:p>
+        </p:txBody>
+      </p:sp>
+      <p:pic>
+        <p:nvPicPr>
+          <p:cNvPr id="5" name="Picture 4" descr="1341776334-olympic-torch-relay-travels-through-hemel-hempstead_1322882.jpg"/>
+          <p:cNvPicPr>
+            <a:picLocks noChangeAspect="1"/>
+          </p:cNvPicPr>
+          <p:nvPr/>
+        </p:nvPicPr>
+        <p:blipFill>
+          <a:blip r:embed="rId2">
+            <a:extLst>
+              <a:ext uri="{28A0092B-C50C-407E-A947-70E740481C1C}">
+                <a14:useLocalDpi xmlns:a14="http://schemas.microsoft.com/office/drawing/2010/main" val="0"/>
+              </a:ext>
+            </a:extLst>
+          </a:blip>
+          <a:stretch>
+            <a:fillRect/>
+          </a:stretch>
+        </p:blipFill>
+        <p:spPr>
+          <a:xfrm>
+            <a:off x="0" y="393700"/>
+            <a:ext cx="9144000" cy="6069330"/>
+          </a:xfrm>
+          <a:prstGeom prst="rect">
+            <a:avLst/>
+          </a:prstGeom>
+        </p:spPr>
+      </p:pic>
+    </p:spTree>
+    <p:extLst>
+      <p:ext uri="{BB962C8B-B14F-4D97-AF65-F5344CB8AC3E}">
+        <p14:creationId xmlns:p14="http://schemas.microsoft.com/office/powerpoint/2010/main" val="183865096"/>
+      </p:ext>
+    </p:extLst>
+  </p:cSld>
+  <p:clrMapOvr>
+    <a:masterClrMapping/>
+  </p:clrMapOvr>
+  <p:timing>
+    <p:tnLst>
+      <p:par>
+        <p:cTn xmlns:p14="http://schemas.microsoft.com/office/powerpoint/2010/main" id="1" dur="indefinite" restart="never" nodeType="tmRoot"/>
+      </p:par>
+    </p:tnLst>
+  </p:timing>
+</p:sld>
+</file>
+
+<file path=ppt/slides/slide12.xml><?xml version="1.0" encoding="utf-8"?>
+<p:sld xmlns:a="http://schemas.openxmlformats.org/drawingml/2006/main" xmlns:r="http://schemas.openxmlformats.org/officeDocument/2006/relationships" xmlns:p="http://schemas.openxmlformats.org/presentationml/2006/main">
+  <p:cSld>
+    <p:spTree>
+      <p:nvGrpSpPr>
+        <p:cNvPr id="1" name=""/>
+        <p:cNvGrpSpPr/>
+        <p:nvPr/>
+      </p:nvGrpSpPr>
+      <p:grpSpPr>
+        <a:xfrm>
+          <a:off x="0" y="0"/>
+          <a:ext cx="0" cy="0"/>
+          <a:chOff x="0" y="0"/>
+          <a:chExt cx="0" cy="0"/>
+        </a:xfrm>
+      </p:grpSpPr>
+      <p:sp>
+        <p:nvSpPr>
+          <p:cNvPr id="2" name="Title 1"/>
+          <p:cNvSpPr>
+            <a:spLocks noGrp="1"/>
+          </p:cNvSpPr>
+          <p:nvPr>
+            <p:ph type="ctrTitle"/>
+          </p:nvPr>
+        </p:nvSpPr>
+        <p:spPr/>
+        <p:txBody>
+          <a:bodyPr/>
+          <a:lstStyle/>
+          <a:p>
+            <a:r>
+              <a:rPr lang="en-US" dirty="0" smtClean="0"/>
+              <a:t>last </a:t>
+            </a:r>
+            <a:r>
+              <a:rPr lang="en-US" dirty="0"/>
+              <a:t>– </a:t>
+            </a:r>
+            <a:br>
+              <a:rPr lang="en-US" dirty="0"/>
+            </a:br>
+            <a:r>
+              <a:rPr lang="en-US" dirty="0" smtClean="0"/>
+              <a:t>quick </a:t>
+            </a:r>
+            <a:r>
+              <a:rPr lang="en-US" dirty="0"/>
+              <a:t>Communications </a:t>
+            </a:r>
+            <a:r>
+              <a:rPr lang="en-US" dirty="0" smtClean="0"/>
+              <a:t>poll</a:t>
+            </a:r>
+            <a:endParaRPr lang="en-US" dirty="0"/>
+          </a:p>
+        </p:txBody>
+      </p:sp>
+    </p:spTree>
+    <p:extLst>
+      <p:ext uri="{BB962C8B-B14F-4D97-AF65-F5344CB8AC3E}">
+        <p14:creationId xmlns:p14="http://schemas.microsoft.com/office/powerpoint/2010/main" val="524568615"/>
+      </p:ext>
+    </p:extLst>
+  </p:cSld>
+  <p:clrMapOvr>
+    <a:masterClrMapping/>
+  </p:clrMapOvr>
+  <p:timing>
+    <p:tnLst>
+      <p:par>
+        <p:cTn xmlns:p14="http://schemas.microsoft.com/office/powerpoint/2010/main" id="1" dur="indefinite" restart="never" nodeType="tmRoot"/>
+      </p:par>
+    </p:tnLst>
+  </p:timing>
+</p:sld>
+</file>
+
+<file path=ppt/slides/slide13.xml><?xml version="1.0" encoding="utf-8"?>
+<p:sld xmlns:a="http://schemas.openxmlformats.org/drawingml/2006/main" xmlns:r="http://schemas.openxmlformats.org/officeDocument/2006/relationships" xmlns:p="http://schemas.openxmlformats.org/presentationml/2006/main">
+  <p:cSld>
+    <p:spTree>
+      <p:nvGrpSpPr>
+        <p:cNvPr id="1" name=""/>
+        <p:cNvGrpSpPr/>
+        <p:nvPr/>
+      </p:nvGrpSpPr>
+      <p:grpSpPr>
+        <a:xfrm>
+          <a:off x="0" y="0"/>
+          <a:ext cx="0" cy="0"/>
+          <a:chOff x="0" y="0"/>
+          <a:chExt cx="0" cy="0"/>
+        </a:xfrm>
+      </p:grpSpPr>
+      <p:sp>
+        <p:nvSpPr>
+          <p:cNvPr id="2" name="Title 1"/>
+          <p:cNvSpPr>
+            <a:spLocks noGrp="1"/>
+          </p:cNvSpPr>
+          <p:nvPr>
+            <p:ph type="title"/>
+          </p:nvPr>
+        </p:nvSpPr>
+        <p:spPr>
+          <a:xfrm>
+            <a:off x="0" y="1041400"/>
+            <a:ext cx="2413000" cy="3911600"/>
+          </a:xfrm>
+        </p:spPr>
+        <p:txBody>
+          <a:bodyPr/>
+          <a:lstStyle/>
+          <a:p>
+            <a:r>
+              <a:rPr lang="en-US" dirty="0" smtClean="0"/>
+              <a:t>Do you </a:t>
+            </a:r>
+            <a:br>
+              <a:rPr lang="en-US" dirty="0" smtClean="0"/>
+            </a:br>
+            <a:r>
+              <a:rPr lang="en-US" dirty="0" smtClean="0"/>
+              <a:t>get the newsletter?</a:t>
+            </a:r>
+            <a:endParaRPr lang="en-US" dirty="0"/>
+          </a:p>
+        </p:txBody>
+      </p:sp>
+      <p:pic>
+        <p:nvPicPr>
+          <p:cNvPr id="5" name="Content Placeholder 4" descr="Newsletter.pdf"/>
+          <p:cNvPicPr>
+            <a:picLocks noGrp="1" noChangeAspect="1"/>
+          </p:cNvPicPr>
+          <p:nvPr>
+            <p:ph idx="1"/>
+          </p:nvPr>
+        </p:nvPicPr>
+        <p:blipFill rotWithShape="1">
+          <a:blip r:embed="rId2">
+            <a:extLst>
+              <a:ext uri="{28A0092B-C50C-407E-A947-70E740481C1C}">
+                <a14:useLocalDpi xmlns:a14="http://schemas.microsoft.com/office/drawing/2010/main" val="0"/>
+              </a:ext>
+            </a:extLst>
+          </a:blip>
+          <a:srcRect l="9314" t="14330" r="42321" b="12436"/>
+          <a:stretch/>
+        </p:blipFill>
+        <p:spPr>
+          <a:xfrm>
+            <a:off x="2527300" y="0"/>
+            <a:ext cx="3492675" cy="6843754"/>
+          </a:xfrm>
+        </p:spPr>
+      </p:pic>
+      <p:sp>
+        <p:nvSpPr>
+          <p:cNvPr id="4" name="Slide Number Placeholder 3"/>
+          <p:cNvSpPr>
+            <a:spLocks noGrp="1"/>
+          </p:cNvSpPr>
+          <p:nvPr>
+            <p:ph type="sldNum" sz="quarter" idx="10"/>
+          </p:nvPr>
+        </p:nvSpPr>
+        <p:spPr/>
+        <p:txBody>
+          <a:bodyPr/>
+          <a:lstStyle/>
+          <a:p>
+            <a:pPr>
+              <a:defRPr/>
+            </a:pPr>
+            <a:fld id="{038AB4BC-D760-449D-A975-B1B41586F3D1}" type="slidenum">
+              <a:rPr lang="en-US" smtClean="0"/>
+              <a:pPr>
+                <a:defRPr/>
+              </a:pPr>
+              <a:t>13</a:t>
+            </a:fld>
+            <a:endParaRPr lang="en-US" dirty="0"/>
+          </a:p>
+        </p:txBody>
+      </p:sp>
+      <p:sp>
+        <p:nvSpPr>
+          <p:cNvPr id="6" name="Title 1"/>
+          <p:cNvSpPr txBox="1">
+            <a:spLocks/>
+          </p:cNvSpPr>
+          <p:nvPr/>
+        </p:nvSpPr>
+        <p:spPr bwMode="auto">
+          <a:xfrm>
+            <a:off x="6235700" y="1143000"/>
+            <a:ext cx="2743200" cy="3911600"/>
+          </a:xfrm>
+          <a:prstGeom prst="rect">
+            <a:avLst/>
+          </a:prstGeom>
+          <a:noFill/>
+          <a:ln w="9525">
+            <a:noFill/>
+            <a:miter lim="800000"/>
+            <a:headEnd/>
+            <a:tailEnd/>
+          </a:ln>
+        </p:spPr>
+        <p:txBody>
+          <a:bodyPr vert="horz" wrap="square" lIns="91440" tIns="45720" rIns="91440" bIns="45720" numCol="1" anchor="ctr" anchorCtr="0" compatLnSpc="1">
+            <a:prstTxWarp prst="textNoShape">
+              <a:avLst/>
+            </a:prstTxWarp>
+          </a:bodyPr>
+          <a:lstStyle>
+            <a:lvl1pPr algn="ctr" rtl="0" eaLnBrk="0" fontAlgn="base" hangingPunct="0">
+              <a:spcBef>
+                <a:spcPct val="0"/>
+              </a:spcBef>
+              <a:spcAft>
+                <a:spcPct val="0"/>
+              </a:spcAft>
+              <a:defRPr kumimoji="1" sz="3200">
+                <a:solidFill>
+                  <a:schemeClr val="bg1"/>
+                </a:solidFill>
+                <a:latin typeface="+mj-lt"/>
+                <a:ea typeface="+mj-ea"/>
+                <a:cs typeface="ＭＳ Ｐゴシック"/>
+              </a:defRPr>
+            </a:lvl1pPr>
+            <a:lvl2pPr algn="ctr" rtl="0" eaLnBrk="0" fontAlgn="base" hangingPunct="0">
+              <a:spcBef>
+                <a:spcPct val="0"/>
+              </a:spcBef>
+              <a:spcAft>
+                <a:spcPct val="0"/>
+              </a:spcAft>
+              <a:defRPr kumimoji="1" sz="3200">
+                <a:solidFill>
+                  <a:srgbClr val="000080"/>
+                </a:solidFill>
+                <a:latin typeface="Futura" pitchFamily="16" charset="0"/>
+                <a:ea typeface="ＭＳ Ｐゴシック" pitchFamily="1" charset="-128"/>
+                <a:cs typeface="ＭＳ Ｐゴシック"/>
+              </a:defRPr>
+            </a:lvl2pPr>
+            <a:lvl3pPr algn="ctr" rtl="0" eaLnBrk="0" fontAlgn="base" hangingPunct="0">
+              <a:spcBef>
+                <a:spcPct val="0"/>
+              </a:spcBef>
+              <a:spcAft>
+                <a:spcPct val="0"/>
+              </a:spcAft>
+              <a:defRPr kumimoji="1" sz="3200">
+                <a:solidFill>
+                  <a:srgbClr val="000080"/>
+                </a:solidFill>
+                <a:latin typeface="Futura" pitchFamily="16" charset="0"/>
+                <a:ea typeface="ＭＳ Ｐゴシック" pitchFamily="1" charset="-128"/>
+                <a:cs typeface="ＭＳ Ｐゴシック"/>
+              </a:defRPr>
+            </a:lvl3pPr>
+            <a:lvl4pPr algn="ctr" rtl="0" eaLnBrk="0" fontAlgn="base" hangingPunct="0">
+              <a:spcBef>
+                <a:spcPct val="0"/>
+              </a:spcBef>
+              <a:spcAft>
+                <a:spcPct val="0"/>
+              </a:spcAft>
+              <a:defRPr kumimoji="1" sz="3200">
+                <a:solidFill>
+                  <a:srgbClr val="000080"/>
+                </a:solidFill>
+                <a:latin typeface="Futura" pitchFamily="16" charset="0"/>
+                <a:ea typeface="ＭＳ Ｐゴシック" pitchFamily="1" charset="-128"/>
+                <a:cs typeface="ＭＳ Ｐゴシック"/>
+              </a:defRPr>
+            </a:lvl4pPr>
+            <a:lvl5pPr algn="ctr" rtl="0" eaLnBrk="0" fontAlgn="base" hangingPunct="0">
+              <a:spcBef>
+                <a:spcPct val="0"/>
+              </a:spcBef>
+              <a:spcAft>
+                <a:spcPct val="0"/>
+              </a:spcAft>
+              <a:defRPr kumimoji="1" sz="3200">
+                <a:solidFill>
+                  <a:srgbClr val="000080"/>
+                </a:solidFill>
+                <a:latin typeface="Futura" pitchFamily="16" charset="0"/>
+                <a:ea typeface="ＭＳ Ｐゴシック" pitchFamily="1" charset="-128"/>
+                <a:cs typeface="ＭＳ Ｐゴシック"/>
+              </a:defRPr>
+            </a:lvl5pPr>
+            <a:lvl6pPr marL="457200" algn="ctr" rtl="0" fontAlgn="base">
+              <a:spcBef>
+                <a:spcPct val="0"/>
+              </a:spcBef>
+              <a:spcAft>
+                <a:spcPct val="0"/>
+              </a:spcAft>
+              <a:defRPr kumimoji="1" sz="3200">
+                <a:solidFill>
+                  <a:srgbClr val="000080"/>
+                </a:solidFill>
+                <a:latin typeface="Futura" pitchFamily="16" charset="0"/>
+                <a:ea typeface="ＭＳ Ｐゴシック" pitchFamily="1" charset="-128"/>
+              </a:defRPr>
+            </a:lvl6pPr>
+            <a:lvl7pPr marL="914400" algn="ctr" rtl="0" fontAlgn="base">
+              <a:spcBef>
+                <a:spcPct val="0"/>
+              </a:spcBef>
+              <a:spcAft>
+                <a:spcPct val="0"/>
+              </a:spcAft>
+              <a:defRPr kumimoji="1" sz="3200">
+                <a:solidFill>
+                  <a:srgbClr val="000080"/>
+                </a:solidFill>
+                <a:latin typeface="Futura" pitchFamily="16" charset="0"/>
+                <a:ea typeface="ＭＳ Ｐゴシック" pitchFamily="1" charset="-128"/>
+              </a:defRPr>
+            </a:lvl7pPr>
+            <a:lvl8pPr marL="1371600" algn="ctr" rtl="0" fontAlgn="base">
+              <a:spcBef>
+                <a:spcPct val="0"/>
+              </a:spcBef>
+              <a:spcAft>
+                <a:spcPct val="0"/>
+              </a:spcAft>
+              <a:defRPr kumimoji="1" sz="3200">
+                <a:solidFill>
+                  <a:srgbClr val="000080"/>
+                </a:solidFill>
+                <a:latin typeface="Futura" pitchFamily="16" charset="0"/>
+                <a:ea typeface="ＭＳ Ｐゴシック" pitchFamily="1" charset="-128"/>
+              </a:defRPr>
+            </a:lvl8pPr>
+            <a:lvl9pPr marL="1828800" algn="ctr" rtl="0" fontAlgn="base">
+              <a:spcBef>
+                <a:spcPct val="0"/>
+              </a:spcBef>
+              <a:spcAft>
+                <a:spcPct val="0"/>
+              </a:spcAft>
+              <a:defRPr kumimoji="1" sz="3200">
+                <a:solidFill>
+                  <a:srgbClr val="000080"/>
+                </a:solidFill>
+                <a:latin typeface="Futura" pitchFamily="16" charset="0"/>
+                <a:ea typeface="ＭＳ Ｐゴシック" pitchFamily="1" charset="-128"/>
+              </a:defRPr>
+            </a:lvl9pPr>
+          </a:lstStyle>
+          <a:p>
+            <a:r>
+              <a:rPr lang="en-US" dirty="0" smtClean="0">
+                <a:solidFill>
+                  <a:srgbClr val="000090"/>
+                </a:solidFill>
+              </a:rPr>
+              <a:t>Do you </a:t>
+            </a:r>
+          </a:p>
+          <a:p>
+            <a:r>
+              <a:rPr lang="en-US" dirty="0" smtClean="0">
+                <a:solidFill>
+                  <a:srgbClr val="000090"/>
+                </a:solidFill>
+              </a:rPr>
+              <a:t>read the newsletter?</a:t>
+            </a:r>
+            <a:endParaRPr lang="en-US" dirty="0">
+              <a:solidFill>
+                <a:srgbClr val="000090"/>
+              </a:solidFill>
+            </a:endParaRPr>
+          </a:p>
+        </p:txBody>
+      </p:sp>
+    </p:spTree>
+    <p:extLst>
+      <p:ext uri="{BB962C8B-B14F-4D97-AF65-F5344CB8AC3E}">
+        <p14:creationId xmlns:p14="http://schemas.microsoft.com/office/powerpoint/2010/main" val="4178334557"/>
+      </p:ext>
+    </p:extLst>
+  </p:cSld>
+  <p:clrMapOvr>
+    <a:masterClrMapping/>
+  </p:clrMapOvr>
+  <p:timing>
+    <p:tnLst>
+      <p:par>
+        <p:cTn xmlns:p14="http://schemas.microsoft.com/office/powerpoint/2010/main" id="1" dur="indefinite" restart="never" nodeType="tmRoot"/>
+      </p:par>
+    </p:tnLst>
+  </p:timing>
+</p:sld>
+</file>
+
+<file path=ppt/slides/slide2.xml><?xml version="1.0" encoding="utf-8"?>
+<p:sld xmlns:a="http://schemas.openxmlformats.org/drawingml/2006/main" xmlns:r="http://schemas.openxmlformats.org/officeDocument/2006/relationships" xmlns:p="http://schemas.openxmlformats.org/presentationml/2006/main">
+  <p:cSld>
+    <p:spTree>
+      <p:nvGrpSpPr>
+        <p:cNvPr id="1" name=""/>
+        <p:cNvGrpSpPr/>
+        <p:nvPr/>
+      </p:nvGrpSpPr>
+      <p:grpSpPr>
+        <a:xfrm>
+          <a:off x="0" y="0"/>
+          <a:ext cx="0" cy="0"/>
+          <a:chOff x="0" y="0"/>
+          <a:chExt cx="0" cy="0"/>
+        </a:xfrm>
+      </p:grpSpPr>
+      <p:sp>
+        <p:nvSpPr>
+          <p:cNvPr id="3" name="Content Placeholder 2"/>
+          <p:cNvSpPr>
+            <a:spLocks noGrp="1"/>
+          </p:cNvSpPr>
+          <p:nvPr>
+            <p:ph idx="1"/>
+          </p:nvPr>
+        </p:nvSpPr>
+        <p:spPr/>
+        <p:txBody>
+          <a:bodyPr/>
+          <a:lstStyle/>
+          <a:p>
+            <a:pPr marL="0" indent="0">
+              <a:buNone/>
+            </a:pPr>
+            <a:r>
+              <a:rPr lang="en-US" dirty="0" smtClean="0"/>
+              <a:t>Thank you to Elizabeth for filling in for Kimberly at short notice. </a:t>
+            </a:r>
+          </a:p>
+          <a:p>
+            <a:pPr marL="0" indent="0">
+              <a:buNone/>
+            </a:pPr>
+            <a:endParaRPr lang="en-US" dirty="0"/>
+          </a:p>
+          <a:p>
+            <a:pPr marL="0" indent="0">
+              <a:buNone/>
+            </a:pPr>
+            <a:r>
+              <a:rPr lang="en-US" dirty="0" smtClean="0"/>
+              <a:t>She will take down decisions and action items – not full minutes.</a:t>
+            </a:r>
+          </a:p>
+          <a:p>
+            <a:pPr marL="0" indent="0">
+              <a:buNone/>
+            </a:pPr>
+            <a:endParaRPr lang="en-US" dirty="0"/>
+          </a:p>
+        </p:txBody>
+      </p:sp>
+      <p:sp>
+        <p:nvSpPr>
+          <p:cNvPr id="4" name="Slide Number Placeholder 3"/>
+          <p:cNvSpPr>
+            <a:spLocks noGrp="1"/>
+          </p:cNvSpPr>
+          <p:nvPr>
+            <p:ph type="sldNum" sz="quarter" idx="10"/>
+          </p:nvPr>
+        </p:nvSpPr>
+        <p:spPr/>
+        <p:txBody>
+          <a:bodyPr/>
+          <a:lstStyle/>
+          <a:p>
+            <a:pPr>
+              <a:defRPr/>
+            </a:pPr>
+            <a:fld id="{038AB4BC-D760-449D-A975-B1B41586F3D1}" type="slidenum">
+              <a:rPr lang="en-US" smtClean="0"/>
+              <a:pPr>
+                <a:defRPr/>
+              </a:pPr>
+              <a:t>2</a:t>
+            </a:fld>
+            <a:endParaRPr lang="en-US" dirty="0"/>
+          </a:p>
+        </p:txBody>
+      </p:sp>
+    </p:spTree>
+    <p:extLst>
+      <p:ext uri="{BB962C8B-B14F-4D97-AF65-F5344CB8AC3E}">
+        <p14:creationId xmlns:p14="http://schemas.microsoft.com/office/powerpoint/2010/main" val="1774700517"/>
+      </p:ext>
+    </p:extLst>
+  </p:cSld>
+  <p:clrMapOvr>
+    <a:masterClrMapping/>
+  </p:clrMapOvr>
+  <p:timing>
+    <p:tnLst>
+      <p:par>
+        <p:cTn xmlns:p14="http://schemas.microsoft.com/office/powerpoint/2010/main" id="1" dur="indefinite" restart="never" nodeType="tmRoot"/>
+      </p:par>
+    </p:tnLst>
+  </p:timing>
+</p:sld>
+</file>
+
+<file path=ppt/slides/slide3.xml><?xml version="1.0" encoding="utf-8"?>
+<p:sld xmlns:a="http://schemas.openxmlformats.org/drawingml/2006/main" xmlns:r="http://schemas.openxmlformats.org/officeDocument/2006/relationships" xmlns:p="http://schemas.openxmlformats.org/presentationml/2006/main">
+  <p:cSld>
+    <p:spTree>
+      <p:nvGrpSpPr>
+        <p:cNvPr id="1" name=""/>
+        <p:cNvGrpSpPr/>
+        <p:nvPr/>
+      </p:nvGrpSpPr>
+      <p:grpSpPr>
+        <a:xfrm>
+          <a:off x="0" y="0"/>
+          <a:ext cx="0" cy="0"/>
+          <a:chOff x="0" y="0"/>
+          <a:chExt cx="0" cy="0"/>
+        </a:xfrm>
+      </p:grpSpPr>
+      <p:sp>
+        <p:nvSpPr>
+          <p:cNvPr id="2" name="Title 1"/>
+          <p:cNvSpPr>
+            <a:spLocks noGrp="1"/>
+          </p:cNvSpPr>
+          <p:nvPr>
+            <p:ph type="title"/>
+          </p:nvPr>
+        </p:nvSpPr>
+        <p:spPr/>
+        <p:txBody>
+          <a:bodyPr/>
+          <a:lstStyle/>
+          <a:p>
+            <a:r>
+              <a:rPr lang="en-US" dirty="0" smtClean="0"/>
+              <a:t>Debrief on AHM</a:t>
+            </a:r>
+            <a:endParaRPr lang="en-US" dirty="0"/>
+          </a:p>
+        </p:txBody>
+      </p:sp>
+      <p:sp>
+        <p:nvSpPr>
+          <p:cNvPr id="3" name="Content Placeholder 2"/>
+          <p:cNvSpPr>
+            <a:spLocks noGrp="1"/>
+          </p:cNvSpPr>
+          <p:nvPr>
+            <p:ph idx="1"/>
+          </p:nvPr>
+        </p:nvSpPr>
+        <p:spPr>
+          <a:xfrm>
+            <a:off x="774700" y="2514600"/>
+            <a:ext cx="7772400" cy="3505200"/>
+          </a:xfrm>
+        </p:spPr>
+        <p:txBody>
+          <a:bodyPr/>
+          <a:lstStyle/>
+          <a:p>
+            <a:pPr marL="0" indent="0" algn="ctr">
+              <a:buNone/>
+            </a:pPr>
+            <a:r>
+              <a:rPr lang="en-US" dirty="0" smtClean="0"/>
+              <a:t>Very energetic, team building, team meeting, AHM</a:t>
+            </a:r>
+          </a:p>
+          <a:p>
+            <a:pPr marL="0" indent="0" algn="ctr">
+              <a:buNone/>
+            </a:pPr>
+            <a:endParaRPr lang="en-US" dirty="0"/>
+          </a:p>
+          <a:p>
+            <a:pPr marL="0" indent="0" algn="ctr">
+              <a:buNone/>
+            </a:pPr>
+            <a:r>
+              <a:rPr lang="en-US" dirty="0" smtClean="0"/>
+              <a:t>	Well Done and Much Appreciation to Rob Quick and his Team!</a:t>
+            </a:r>
+            <a:endParaRPr lang="en-US" dirty="0"/>
+          </a:p>
+        </p:txBody>
+      </p:sp>
+      <p:sp>
+        <p:nvSpPr>
+          <p:cNvPr id="4" name="Slide Number Placeholder 3"/>
+          <p:cNvSpPr>
+            <a:spLocks noGrp="1"/>
+          </p:cNvSpPr>
+          <p:nvPr>
+            <p:ph type="sldNum" sz="quarter" idx="10"/>
+          </p:nvPr>
+        </p:nvSpPr>
+        <p:spPr/>
+        <p:txBody>
+          <a:bodyPr/>
+          <a:lstStyle/>
+          <a:p>
+            <a:pPr>
+              <a:defRPr/>
+            </a:pPr>
+            <a:fld id="{038AB4BC-D760-449D-A975-B1B41586F3D1}" type="slidenum">
+              <a:rPr lang="en-US" smtClean="0"/>
+              <a:pPr>
+                <a:defRPr/>
+              </a:pPr>
+              <a:t>3</a:t>
+            </a:fld>
+            <a:endParaRPr lang="en-US" dirty="0"/>
+          </a:p>
+        </p:txBody>
+      </p:sp>
+    </p:spTree>
+    <p:extLst>
+      <p:ext uri="{BB962C8B-B14F-4D97-AF65-F5344CB8AC3E}">
+        <p14:creationId xmlns:p14="http://schemas.microsoft.com/office/powerpoint/2010/main" val="3112653368"/>
+      </p:ext>
+    </p:extLst>
+  </p:cSld>
+  <p:clrMapOvr>
+    <a:masterClrMapping/>
+  </p:clrMapOvr>
+</p:sld>
+</file>
+
+<file path=ppt/slides/slide4.xml><?xml version="1.0" encoding="utf-8"?>
+<p:sld xmlns:a="http://schemas.openxmlformats.org/drawingml/2006/main" xmlns:r="http://schemas.openxmlformats.org/officeDocument/2006/relationships" xmlns:p="http://schemas.openxmlformats.org/presentationml/2006/main">
+  <p:cSld>
+    <p:spTree>
+      <p:nvGrpSpPr>
+        <p:cNvPr id="1" name=""/>
+        <p:cNvGrpSpPr/>
+        <p:nvPr/>
+      </p:nvGrpSpPr>
+      <p:grpSpPr>
+        <a:xfrm>
+          <a:off x="0" y="0"/>
+          <a:ext cx="0" cy="0"/>
+          <a:chOff x="0" y="0"/>
+          <a:chExt cx="0" cy="0"/>
+        </a:xfrm>
+      </p:grpSpPr>
+      <p:sp>
+        <p:nvSpPr>
+          <p:cNvPr id="2" name="Title 1"/>
+          <p:cNvSpPr>
+            <a:spLocks noGrp="1"/>
+          </p:cNvSpPr>
+          <p:nvPr>
+            <p:ph type="title"/>
+          </p:nvPr>
+        </p:nvSpPr>
+        <p:spPr/>
+        <p:txBody>
+          <a:bodyPr/>
+          <a:lstStyle/>
+          <a:p>
+            <a:r>
+              <a:rPr lang="en-US" dirty="0" smtClean="0"/>
+              <a:t>Aug 2012 - Mar 2013</a:t>
+            </a:r>
+            <a:endParaRPr lang="en-US" dirty="0"/>
+          </a:p>
+        </p:txBody>
+      </p:sp>
+      <p:sp>
+        <p:nvSpPr>
+          <p:cNvPr id="3" name="Content Placeholder 2"/>
+          <p:cNvSpPr>
+            <a:spLocks noGrp="1"/>
+          </p:cNvSpPr>
+          <p:nvPr>
+            <p:ph idx="1"/>
+          </p:nvPr>
+        </p:nvSpPr>
+        <p:spPr>
+          <a:xfrm>
+            <a:off x="635000" y="1384300"/>
+            <a:ext cx="7721600" cy="1993900"/>
+          </a:xfrm>
+        </p:spPr>
+        <p:txBody>
+          <a:bodyPr/>
+          <a:lstStyle/>
+          <a:p>
+            <a:pPr marL="0" indent="0">
+              <a:buNone/>
+            </a:pPr>
+            <a:r>
+              <a:rPr lang="en-US" i="1" dirty="0" smtClean="0"/>
+              <a:t>August: Take concrete decisions towards ensuring the Council membership and agendas are truly representative of and focused on extending the mutual benefits of new communities (especially non-physics and campus) and the OSG.</a:t>
+            </a:r>
+          </a:p>
+          <a:p>
+            <a:pPr marL="0" indent="0">
+              <a:buNone/>
+            </a:pPr>
+            <a:endParaRPr lang="en-US" dirty="0"/>
+          </a:p>
+          <a:p>
+            <a:pPr marL="0" indent="0">
+              <a:buNone/>
+            </a:pPr>
+            <a:r>
+              <a:rPr lang="en-US" dirty="0" smtClean="0"/>
+              <a:t>March: Application by Campus Infrastructure at CRC/ND accepted onto the Council. 2 other approaches in progress but both individuals have constraints: a) overload b) availability for the months traditionally have face to face meetings.</a:t>
+            </a:r>
+          </a:p>
+          <a:p>
+            <a:pPr marL="0" indent="0">
+              <a:buNone/>
+            </a:pPr>
+            <a:endParaRPr lang="en-US" dirty="0"/>
+          </a:p>
+        </p:txBody>
+      </p:sp>
+      <p:sp>
+        <p:nvSpPr>
+          <p:cNvPr id="4" name="Slide Number Placeholder 3"/>
+          <p:cNvSpPr>
+            <a:spLocks noGrp="1"/>
+          </p:cNvSpPr>
+          <p:nvPr>
+            <p:ph type="sldNum" sz="quarter" idx="10"/>
+          </p:nvPr>
+        </p:nvSpPr>
+        <p:spPr/>
+        <p:txBody>
+          <a:bodyPr/>
+          <a:lstStyle/>
+          <a:p>
+            <a:pPr>
+              <a:defRPr/>
+            </a:pPr>
+            <a:fld id="{038AB4BC-D760-449D-A975-B1B41586F3D1}" type="slidenum">
+              <a:rPr lang="en-US" smtClean="0"/>
+              <a:pPr>
+                <a:defRPr/>
+              </a:pPr>
+              <a:t>4</a:t>
+            </a:fld>
+            <a:endParaRPr lang="en-US" dirty="0"/>
+          </a:p>
+        </p:txBody>
+      </p:sp>
+    </p:spTree>
+    <p:extLst>
+      <p:ext uri="{BB962C8B-B14F-4D97-AF65-F5344CB8AC3E}">
+        <p14:creationId xmlns:p14="http://schemas.microsoft.com/office/powerpoint/2010/main" val="2585140102"/>
+      </p:ext>
+    </p:extLst>
+  </p:cSld>
+  <p:clrMapOvr>
+    <a:masterClrMapping/>
+  </p:clrMapOvr>
+  <p:timing>
+    <p:tnLst>
+      <p:par>
+        <p:cTn xmlns:p14="http://schemas.microsoft.com/office/powerpoint/2010/main" id="1" dur="indefinite" restart="never" nodeType="tmRoot"/>
+      </p:par>
+    </p:tnLst>
+  </p:timing>
+</p:sld>
+</file>
+
+<file path=ppt/slides/slide5.xml><?xml version="1.0" encoding="utf-8"?>
+<p:sld xmlns:a="http://schemas.openxmlformats.org/drawingml/2006/main" xmlns:r="http://schemas.openxmlformats.org/officeDocument/2006/relationships" xmlns:p="http://schemas.openxmlformats.org/presentationml/2006/main">
+  <p:cSld>
+    <p:spTree>
+      <p:nvGrpSpPr>
+        <p:cNvPr id="1" name=""/>
+        <p:cNvGrpSpPr/>
+        <p:nvPr/>
+      </p:nvGrpSpPr>
+      <p:grpSpPr>
+        <a:xfrm>
+          <a:off x="0" y="0"/>
+          <a:ext cx="0" cy="0"/>
+          <a:chOff x="0" y="0"/>
+          <a:chExt cx="0" cy="0"/>
+        </a:xfrm>
+      </p:grpSpPr>
+      <p:sp>
+        <p:nvSpPr>
+          <p:cNvPr id="3" name="Content Placeholder 2"/>
+          <p:cNvSpPr>
+            <a:spLocks noGrp="1"/>
+          </p:cNvSpPr>
+          <p:nvPr>
+            <p:ph idx="1"/>
+          </p:nvPr>
+        </p:nvSpPr>
+        <p:spPr>
+          <a:xfrm>
+            <a:off x="774700" y="1955800"/>
+            <a:ext cx="7772400" cy="4318000"/>
+          </a:xfrm>
+        </p:spPr>
+        <p:txBody>
+          <a:bodyPr/>
+          <a:lstStyle/>
+          <a:p>
+            <a:pPr marL="0" indent="0">
+              <a:buNone/>
+            </a:pPr>
+            <a:r>
+              <a:rPr lang="en-US" dirty="0" smtClean="0">
+                <a:solidFill>
+                  <a:srgbClr val="000090"/>
+                </a:solidFill>
+              </a:rPr>
+              <a:t>Consortium</a:t>
+            </a:r>
+            <a:r>
+              <a:rPr lang="en-US" dirty="0" smtClean="0"/>
+              <a:t> </a:t>
+            </a:r>
+            <a:r>
+              <a:rPr lang="en-US" dirty="0" smtClean="0">
+                <a:solidFill>
+                  <a:srgbClr val="000090"/>
+                </a:solidFill>
+              </a:rPr>
+              <a:t>Members: </a:t>
+            </a:r>
+          </a:p>
+          <a:p>
+            <a:pPr marL="0" indent="0">
+              <a:buNone/>
+            </a:pPr>
+            <a:r>
+              <a:rPr lang="en-US" i="1" dirty="0" smtClean="0">
+                <a:solidFill>
+                  <a:srgbClr val="000090"/>
+                </a:solidFill>
+                <a:cs typeface="Arial"/>
+              </a:rPr>
+              <a:t>All </a:t>
+            </a:r>
+            <a:r>
+              <a:rPr lang="en-US" i="1" dirty="0">
+                <a:solidFill>
+                  <a:srgbClr val="000090"/>
+                </a:solidFill>
+                <a:cs typeface="Arial"/>
+              </a:rPr>
+              <a:t>organizations and their </a:t>
+            </a:r>
+            <a:r>
+              <a:rPr lang="en-US" i="1" dirty="0" smtClean="0">
+                <a:solidFill>
+                  <a:srgbClr val="000090"/>
+                </a:solidFill>
+                <a:cs typeface="Arial"/>
+              </a:rPr>
+              <a:t>members </a:t>
+            </a:r>
+            <a:r>
+              <a:rPr lang="en-US" i="1" dirty="0">
+                <a:solidFill>
+                  <a:srgbClr val="000090"/>
+                </a:solidFill>
+                <a:cs typeface="Arial"/>
+              </a:rPr>
+              <a:t>who benefit from </a:t>
+            </a:r>
+            <a:r>
+              <a:rPr lang="en-US" i="1" dirty="0" smtClean="0">
+                <a:solidFill>
+                  <a:srgbClr val="000090"/>
+                </a:solidFill>
+                <a:cs typeface="Arial"/>
+              </a:rPr>
+              <a:t>the </a:t>
+            </a:r>
+            <a:r>
+              <a:rPr lang="en-US" i="1" dirty="0">
+                <a:solidFill>
+                  <a:srgbClr val="000090"/>
+                </a:solidFill>
+                <a:cs typeface="Arial"/>
+              </a:rPr>
+              <a:t>OSG eco-</a:t>
+            </a:r>
+            <a:r>
+              <a:rPr lang="en-US" i="1" dirty="0" smtClean="0">
+                <a:solidFill>
+                  <a:srgbClr val="000090"/>
+                </a:solidFill>
+                <a:cs typeface="Arial"/>
+              </a:rPr>
+              <a:t>system. </a:t>
+            </a:r>
+            <a:r>
+              <a:rPr lang="en-US" i="1" dirty="0">
+                <a:solidFill>
+                  <a:srgbClr val="000090"/>
+                </a:solidFill>
+                <a:cs typeface="Arial"/>
+              </a:rPr>
+              <a:t>B</a:t>
+            </a:r>
+            <a:r>
+              <a:rPr lang="en-US" i="1" dirty="0" smtClean="0">
+                <a:solidFill>
+                  <a:srgbClr val="000090"/>
+                </a:solidFill>
+                <a:cs typeface="Arial"/>
+              </a:rPr>
+              <a:t>enefits include use of and/or contributions to one or more of the resources, the fabric </a:t>
+            </a:r>
+            <a:r>
+              <a:rPr lang="en-US" i="1" dirty="0">
+                <a:solidFill>
+                  <a:srgbClr val="000090"/>
+                </a:solidFill>
+                <a:cs typeface="Arial"/>
+              </a:rPr>
+              <a:t>of services, software, </a:t>
+            </a:r>
+            <a:r>
+              <a:rPr lang="en-US" i="1" dirty="0" smtClean="0">
+                <a:solidFill>
+                  <a:srgbClr val="000090"/>
+                </a:solidFill>
+                <a:cs typeface="Arial"/>
+              </a:rPr>
+              <a:t>computer science experimentation, sociological study, etc. </a:t>
+            </a:r>
+          </a:p>
+          <a:p>
+            <a:pPr marL="0" indent="0">
+              <a:buNone/>
+            </a:pPr>
+            <a:endParaRPr lang="en-US" dirty="0">
+              <a:solidFill>
+                <a:srgbClr val="000090"/>
+              </a:solidFill>
+              <a:cs typeface="Arial"/>
+            </a:endParaRPr>
+          </a:p>
+          <a:p>
+            <a:pPr marL="0" indent="0" defTabSz="457200" fontAlgn="auto">
+              <a:spcBef>
+                <a:spcPts val="0"/>
+              </a:spcBef>
+              <a:spcAft>
+                <a:spcPts val="0"/>
+              </a:spcAft>
+              <a:buNone/>
+            </a:pPr>
+            <a:r>
+              <a:rPr lang="en-US" dirty="0" smtClean="0">
+                <a:solidFill>
+                  <a:srgbClr val="000090"/>
+                </a:solidFill>
+                <a:cs typeface="Arial"/>
+              </a:rPr>
+              <a:t>Council Members: </a:t>
+            </a:r>
+          </a:p>
+          <a:p>
+            <a:pPr marL="0" indent="0" defTabSz="457200" fontAlgn="auto">
+              <a:spcBef>
+                <a:spcPts val="0"/>
+              </a:spcBef>
+              <a:spcAft>
+                <a:spcPts val="0"/>
+              </a:spcAft>
+              <a:buNone/>
+            </a:pPr>
+            <a:r>
+              <a:rPr lang="en-US" i="1" dirty="0" smtClean="0">
+                <a:solidFill>
+                  <a:srgbClr val="000090"/>
+                </a:solidFill>
+                <a:cs typeface="Arial"/>
+              </a:rPr>
+              <a:t>Govern. Represent </a:t>
+            </a:r>
+            <a:r>
+              <a:rPr lang="en-US" i="1" dirty="0">
+                <a:solidFill>
+                  <a:srgbClr val="000090"/>
+                </a:solidFill>
+                <a:cs typeface="Arial"/>
+              </a:rPr>
+              <a:t>all </a:t>
+            </a:r>
+            <a:r>
+              <a:rPr lang="en-US" i="1" dirty="0" smtClean="0">
+                <a:solidFill>
+                  <a:srgbClr val="000090"/>
+                </a:solidFill>
+                <a:cs typeface="Arial"/>
+              </a:rPr>
+              <a:t>Consortium Members. Are the most active contributors to the mission. Oversee the Projects.</a:t>
+            </a:r>
+            <a:endParaRPr lang="en-US" i="1" dirty="0">
+              <a:solidFill>
+                <a:srgbClr val="000090"/>
+              </a:solidFill>
+              <a:cs typeface="Arial"/>
+            </a:endParaRPr>
+          </a:p>
+          <a:p>
+            <a:pPr marL="0" indent="0">
+              <a:buNone/>
+            </a:pPr>
+            <a:endParaRPr lang="en-US" dirty="0">
+              <a:solidFill>
+                <a:srgbClr val="000090"/>
+              </a:solidFill>
+              <a:cs typeface="Arial"/>
+            </a:endParaRPr>
+          </a:p>
+          <a:p>
+            <a:pPr marL="0" indent="0">
+              <a:buNone/>
+            </a:pPr>
+            <a:endParaRPr lang="en-US" dirty="0"/>
+          </a:p>
+        </p:txBody>
+      </p:sp>
+      <p:sp>
+        <p:nvSpPr>
+          <p:cNvPr id="4" name="Slide Number Placeholder 3"/>
+          <p:cNvSpPr>
+            <a:spLocks noGrp="1"/>
+          </p:cNvSpPr>
+          <p:nvPr>
+            <p:ph type="sldNum" sz="quarter" idx="10"/>
+          </p:nvPr>
+        </p:nvSpPr>
+        <p:spPr/>
+        <p:txBody>
+          <a:bodyPr/>
+          <a:lstStyle/>
+          <a:p>
+            <a:pPr>
+              <a:defRPr/>
+            </a:pPr>
+            <a:fld id="{038AB4BC-D760-449D-A975-B1B41586F3D1}" type="slidenum">
+              <a:rPr lang="en-US" smtClean="0"/>
+              <a:pPr>
+                <a:defRPr/>
+              </a:pPr>
+              <a:t>5</a:t>
+            </a:fld>
+            <a:endParaRPr lang="en-US" dirty="0"/>
+          </a:p>
+        </p:txBody>
+      </p:sp>
+      <p:pic>
+        <p:nvPicPr>
+          <p:cNvPr id="5" name="Picture 4" descr="Slide2.jpg"/>
+          <p:cNvPicPr>
+            <a:picLocks noChangeAspect="1"/>
+          </p:cNvPicPr>
+          <p:nvPr/>
+        </p:nvPicPr>
+        <p:blipFill rotWithShape="1">
+          <a:blip r:embed="rId2">
+            <a:extLst>
+              <a:ext uri="{28A0092B-C50C-407E-A947-70E740481C1C}">
+                <a14:useLocalDpi xmlns:a14="http://schemas.microsoft.com/office/drawing/2010/main" val="0"/>
+              </a:ext>
+            </a:extLst>
+          </a:blip>
+          <a:srcRect l="2639" t="10370" r="4167" b="5556"/>
+          <a:stretch/>
+        </p:blipFill>
+        <p:spPr>
+          <a:xfrm>
+            <a:off x="241300" y="711200"/>
+            <a:ext cx="8521700" cy="5765800"/>
+          </a:xfrm>
+          <a:prstGeom prst="rect">
+            <a:avLst/>
+          </a:prstGeom>
+        </p:spPr>
+      </p:pic>
+    </p:spTree>
+    <p:extLst>
+      <p:ext uri="{BB962C8B-B14F-4D97-AF65-F5344CB8AC3E}">
+        <p14:creationId xmlns:p14="http://schemas.microsoft.com/office/powerpoint/2010/main" val="2519205172"/>
+      </p:ext>
+    </p:extLst>
+  </p:cSld>
+  <p:clrMapOvr>
+    <a:masterClrMapping/>
+  </p:clrMapOvr>
+  <p:timing>
+    <p:tnLst>
+      <p:par>
+        <p:cTn xmlns:p14="http://schemas.microsoft.com/office/powerpoint/2010/main" id="1" dur="indefinite" restart="never" nodeType="tmRoot"/>
+      </p:par>
+    </p:tnLst>
+  </p:timing>
+</p:sld>
+</file>
+
+<file path=ppt/slides/slide6.xml><?xml version="1.0" encoding="utf-8"?>
+<p:sld xmlns:a="http://schemas.openxmlformats.org/drawingml/2006/main" xmlns:r="http://schemas.openxmlformats.org/officeDocument/2006/relationships" xmlns:p="http://schemas.openxmlformats.org/presentationml/2006/main">
+  <p:cSld>
+    <p:spTree>
+      <p:nvGrpSpPr>
+        <p:cNvPr id="1" name=""/>
+        <p:cNvGrpSpPr/>
+        <p:nvPr/>
+      </p:nvGrpSpPr>
+      <p:grpSpPr>
+        <a:xfrm>
+          <a:off x="0" y="0"/>
+          <a:ext cx="0" cy="0"/>
+          <a:chOff x="0" y="0"/>
+          <a:chExt cx="0" cy="0"/>
+        </a:xfrm>
+      </p:grpSpPr>
+      <p:sp>
+        <p:nvSpPr>
+          <p:cNvPr id="3" name="Content Placeholder 2"/>
+          <p:cNvSpPr>
+            <a:spLocks noGrp="1"/>
+          </p:cNvSpPr>
+          <p:nvPr>
+            <p:ph idx="1"/>
+          </p:nvPr>
+        </p:nvSpPr>
+        <p:spPr>
+          <a:xfrm>
+            <a:off x="152400" y="1790700"/>
+            <a:ext cx="8636000" cy="3619500"/>
+          </a:xfrm>
+        </p:spPr>
+        <p:txBody>
+          <a:bodyPr/>
+          <a:lstStyle/>
+          <a:p>
+            <a:pPr marL="0" indent="0">
+              <a:buNone/>
+            </a:pPr>
+            <a:r>
+              <a:rPr lang="en-US" i="1" dirty="0" smtClean="0"/>
+              <a:t>August: Hear about the work plans for OSG, our Satellites</a:t>
+            </a:r>
+            <a:r>
+              <a:rPr lang="en-US" i="1" dirty="0"/>
+              <a:t> </a:t>
+            </a:r>
+            <a:r>
+              <a:rPr lang="en-US" i="1" dirty="0" smtClean="0"/>
+              <a:t>and our members. Identify gaps in addressing the needs and objectives of members. Decide on sub-groups of (</a:t>
+            </a:r>
+            <a:r>
+              <a:rPr lang="en-US" i="1" dirty="0" err="1" smtClean="0"/>
+              <a:t>delegees</a:t>
+            </a:r>
+            <a:r>
+              <a:rPr lang="en-US" i="1" dirty="0" smtClean="0"/>
+              <a:t> of)  the Council to think about whether and/or how to address these gaps.</a:t>
+            </a:r>
+          </a:p>
+          <a:p>
+            <a:pPr marL="0" indent="0">
+              <a:buNone/>
+            </a:pPr>
+            <a:endParaRPr lang="en-US" i="1" dirty="0"/>
+          </a:p>
+          <a:p>
+            <a:pPr marL="0" indent="0">
+              <a:buNone/>
+            </a:pPr>
+            <a:r>
+              <a:rPr lang="en-US" dirty="0" smtClean="0"/>
+              <a:t>March: Decided on 3 sub-committees. Reports available for discussion later in the meeting.</a:t>
+            </a:r>
+            <a:endParaRPr lang="en-US" dirty="0"/>
+          </a:p>
+          <a:p>
+            <a:pPr marL="0" indent="0">
+              <a:buNone/>
+            </a:pPr>
+            <a:r>
+              <a:rPr lang="en-US" dirty="0" smtClean="0"/>
+              <a:t> </a:t>
+            </a:r>
+            <a:endParaRPr lang="en-US" dirty="0"/>
+          </a:p>
+        </p:txBody>
+      </p:sp>
+      <p:sp>
+        <p:nvSpPr>
+          <p:cNvPr id="4" name="Slide Number Placeholder 3"/>
+          <p:cNvSpPr>
+            <a:spLocks noGrp="1"/>
+          </p:cNvSpPr>
+          <p:nvPr>
+            <p:ph type="sldNum" sz="quarter" idx="10"/>
+          </p:nvPr>
+        </p:nvSpPr>
+        <p:spPr/>
+        <p:txBody>
+          <a:bodyPr/>
+          <a:lstStyle/>
+          <a:p>
+            <a:pPr>
+              <a:defRPr/>
+            </a:pPr>
+            <a:fld id="{038AB4BC-D760-449D-A975-B1B41586F3D1}" type="slidenum">
+              <a:rPr lang="en-US" smtClean="0"/>
+              <a:pPr>
+                <a:defRPr/>
+              </a:pPr>
+              <a:t>6</a:t>
+            </a:fld>
+            <a:endParaRPr lang="en-US" dirty="0"/>
+          </a:p>
+        </p:txBody>
+      </p:sp>
+      <p:sp>
+        <p:nvSpPr>
+          <p:cNvPr id="6" name="Title 1"/>
+          <p:cNvSpPr>
+            <a:spLocks noGrp="1"/>
+          </p:cNvSpPr>
+          <p:nvPr>
+            <p:ph type="title"/>
+          </p:nvPr>
+        </p:nvSpPr>
+        <p:spPr>
+          <a:xfrm>
+            <a:off x="685800" y="0"/>
+            <a:ext cx="6946900" cy="1143000"/>
+          </a:xfrm>
+        </p:spPr>
+        <p:txBody>
+          <a:bodyPr/>
+          <a:lstStyle/>
+          <a:p>
+            <a:r>
+              <a:rPr lang="en-US" dirty="0" smtClean="0"/>
+              <a:t>Aug 2012 - Mar 2013 cont.</a:t>
+            </a:r>
+            <a:endParaRPr lang="en-US" dirty="0"/>
+          </a:p>
+        </p:txBody>
+      </p:sp>
+    </p:spTree>
+    <p:extLst>
+      <p:ext uri="{BB962C8B-B14F-4D97-AF65-F5344CB8AC3E}">
+        <p14:creationId xmlns:p14="http://schemas.microsoft.com/office/powerpoint/2010/main" val="2585140102"/>
+      </p:ext>
+    </p:extLst>
+  </p:cSld>
+  <p:clrMapOvr>
+    <a:masterClrMapping/>
+  </p:clrMapOvr>
+  <p:timing>
+    <p:tnLst>
+      <p:par>
+        <p:cTn xmlns:p14="http://schemas.microsoft.com/office/powerpoint/2010/main" id="1" dur="indefinite" restart="never" nodeType="tmRoot"/>
+      </p:par>
+    </p:tnLst>
+  </p:timing>
+</p:sld>
+</file>
+
+<file path=ppt/slides/slide7.xml><?xml version="1.0" encoding="utf-8"?>
+<p:sld xmlns:a="http://schemas.openxmlformats.org/drawingml/2006/main" xmlns:r="http://schemas.openxmlformats.org/officeDocument/2006/relationships" xmlns:p="http://schemas.openxmlformats.org/presentationml/2006/main">
+  <p:cSld>
+    <p:spTree>
+      <p:nvGrpSpPr>
+        <p:cNvPr id="1" name=""/>
+        <p:cNvGrpSpPr/>
+        <p:nvPr/>
+      </p:nvGrpSpPr>
+      <p:grpSpPr>
+        <a:xfrm>
+          <a:off x="0" y="0"/>
+          <a:ext cx="0" cy="0"/>
+          <a:chOff x="0" y="0"/>
+          <a:chExt cx="0" cy="0"/>
+        </a:xfrm>
+      </p:grpSpPr>
+      <p:sp>
+        <p:nvSpPr>
+          <p:cNvPr id="2" name="Title 1"/>
+          <p:cNvSpPr>
+            <a:spLocks noGrp="1"/>
+          </p:cNvSpPr>
+          <p:nvPr>
+            <p:ph type="title"/>
+          </p:nvPr>
+        </p:nvSpPr>
+        <p:spPr/>
+        <p:txBody>
+          <a:bodyPr/>
+          <a:lstStyle/>
+          <a:p>
+            <a:r>
+              <a:rPr lang="en-US" dirty="0" smtClean="0"/>
+              <a:t>Ongoing Actions</a:t>
+            </a:r>
+            <a:endParaRPr lang="en-US" dirty="0"/>
+          </a:p>
+        </p:txBody>
+      </p:sp>
+      <p:sp>
+        <p:nvSpPr>
+          <p:cNvPr id="3" name="Content Placeholder 2"/>
+          <p:cNvSpPr>
+            <a:spLocks noGrp="1"/>
+          </p:cNvSpPr>
+          <p:nvPr>
+            <p:ph idx="1"/>
+          </p:nvPr>
+        </p:nvSpPr>
+        <p:spPr/>
+        <p:txBody>
+          <a:bodyPr/>
+          <a:lstStyle/>
+          <a:p>
+            <a:r>
+              <a:rPr lang="en-US" dirty="0" smtClean="0"/>
+              <a:t>Keep list of action items which are followed up on and are closed. Now at ~90 of which ~5 remain open. </a:t>
+            </a:r>
+          </a:p>
+          <a:p>
+            <a:pPr lvl="1"/>
+            <a:r>
+              <a:rPr lang="en-US" dirty="0" smtClean="0"/>
+              <a:t>Too Many.</a:t>
+            </a:r>
+          </a:p>
+          <a:p>
+            <a:pPr lvl="1"/>
+            <a:r>
+              <a:rPr lang="en-US" dirty="0" smtClean="0"/>
+              <a:t>Not all “complete” – some “dropped”.</a:t>
+            </a:r>
+          </a:p>
+          <a:p>
+            <a:endParaRPr lang="en-US" dirty="0"/>
+          </a:p>
+          <a:p>
+            <a:r>
+              <a:rPr lang="en-US" dirty="0" smtClean="0"/>
+              <a:t>Keep to Roberts rules of order to help move the agenda forward.</a:t>
+            </a:r>
+          </a:p>
+          <a:p>
+            <a:pPr lvl="1"/>
+            <a:r>
+              <a:rPr lang="en-US" dirty="0" smtClean="0"/>
+              <a:t>Work in progress</a:t>
+            </a:r>
+            <a:endParaRPr lang="en-US" dirty="0"/>
+          </a:p>
+        </p:txBody>
+      </p:sp>
+      <p:sp>
+        <p:nvSpPr>
+          <p:cNvPr id="4" name="Slide Number Placeholder 3"/>
+          <p:cNvSpPr>
+            <a:spLocks noGrp="1"/>
+          </p:cNvSpPr>
+          <p:nvPr>
+            <p:ph type="sldNum" sz="quarter" idx="10"/>
+          </p:nvPr>
+        </p:nvSpPr>
+        <p:spPr/>
+        <p:txBody>
+          <a:bodyPr/>
+          <a:lstStyle/>
+          <a:p>
+            <a:pPr>
+              <a:defRPr/>
+            </a:pPr>
+            <a:fld id="{038AB4BC-D760-449D-A975-B1B41586F3D1}" type="slidenum">
+              <a:rPr lang="en-US" smtClean="0"/>
+              <a:pPr>
+                <a:defRPr/>
+              </a:pPr>
+              <a:t>7</a:t>
+            </a:fld>
+            <a:endParaRPr lang="en-US" dirty="0"/>
+          </a:p>
+        </p:txBody>
+      </p:sp>
+    </p:spTree>
+    <p:extLst>
+      <p:ext uri="{BB962C8B-B14F-4D97-AF65-F5344CB8AC3E}">
+        <p14:creationId xmlns:p14="http://schemas.microsoft.com/office/powerpoint/2010/main" val="4124046572"/>
+      </p:ext>
+    </p:extLst>
+  </p:cSld>
+  <p:clrMapOvr>
+    <a:masterClrMapping/>
+  </p:clrMapOvr>
+  <p:timing>
+    <p:tnLst>
+      <p:par>
+        <p:cTn xmlns:p14="http://schemas.microsoft.com/office/powerpoint/2010/main" id="1" dur="indefinite" restart="never" nodeType="tmRoot"/>
+      </p:par>
+    </p:tnLst>
+  </p:timing>
+</p:sld>
+</file>
+
+<file path=ppt/slides/slide8.xml><?xml version="1.0" encoding="utf-8"?>
+<p:sld xmlns:a="http://schemas.openxmlformats.org/drawingml/2006/main" xmlns:r="http://schemas.openxmlformats.org/officeDocument/2006/relationships" xmlns:p="http://schemas.openxmlformats.org/presentationml/2006/main">
+  <p:cSld>
+    <p:spTree>
+      <p:nvGrpSpPr>
+        <p:cNvPr id="1" name=""/>
+        <p:cNvGrpSpPr/>
+        <p:nvPr/>
+      </p:nvGrpSpPr>
+      <p:grpSpPr>
+        <a:xfrm>
+          <a:off x="0" y="0"/>
+          <a:ext cx="0" cy="0"/>
+          <a:chOff x="0" y="0"/>
+          <a:chExt cx="0" cy="0"/>
+        </a:xfrm>
+      </p:grpSpPr>
+      <p:sp>
+        <p:nvSpPr>
+          <p:cNvPr id="3" name="Content Placeholder 2"/>
+          <p:cNvSpPr>
+            <a:spLocks noGrp="1"/>
+          </p:cNvSpPr>
+          <p:nvPr>
+            <p:ph idx="1"/>
+          </p:nvPr>
+        </p:nvSpPr>
+        <p:spPr>
+          <a:xfrm>
+            <a:off x="88900" y="1333500"/>
+            <a:ext cx="8940800" cy="4686300"/>
+          </a:xfrm>
+        </p:spPr>
+        <p:txBody>
+          <a:bodyPr/>
+          <a:lstStyle/>
+          <a:p>
+            <a:pPr marL="0" indent="0">
+              <a:buNone/>
+            </a:pPr>
+            <a:r>
+              <a:rPr lang="en-US" dirty="0"/>
+              <a:t>Understand /endorse progress and direction of the OSG Project</a:t>
+            </a:r>
+            <a:r>
+              <a:rPr lang="en-US" dirty="0" smtClean="0"/>
+              <a:t>.</a:t>
+            </a:r>
+          </a:p>
+          <a:p>
+            <a:pPr marL="0" indent="0">
+              <a:buNone/>
+            </a:pPr>
+            <a:endParaRPr lang="en-US" dirty="0"/>
+          </a:p>
+          <a:p>
+            <a:pPr marL="0" indent="0">
+              <a:buNone/>
+            </a:pPr>
+            <a:r>
+              <a:rPr lang="en-US" dirty="0" smtClean="0"/>
+              <a:t>Hear about usage and plan for use of OSG SP by XSEDE allocated applications.. and update on being an SP.</a:t>
+            </a:r>
+          </a:p>
+          <a:p>
+            <a:pPr marL="0" indent="0">
+              <a:buNone/>
+            </a:pPr>
+            <a:endParaRPr lang="en-US" dirty="0"/>
+          </a:p>
+          <a:p>
+            <a:pPr marL="0" indent="0">
+              <a:buNone/>
+            </a:pPr>
+            <a:r>
+              <a:rPr lang="en-US" dirty="0" smtClean="0"/>
+              <a:t>Hear, discuss, (no worries?) about PKI transition project progress (DOE Grids stops issuing certs Mar 23</a:t>
+            </a:r>
+            <a:r>
+              <a:rPr lang="en-US" baseline="30000" dirty="0" smtClean="0"/>
+              <a:t>rd</a:t>
+            </a:r>
+            <a:r>
+              <a:rPr lang="en-US" dirty="0" smtClean="0"/>
+              <a:t>) and new Satellite on VO IDM.</a:t>
+            </a:r>
+            <a:endParaRPr lang="en-US" dirty="0"/>
+          </a:p>
+          <a:p>
+            <a:pPr marL="0" indent="0">
+              <a:buNone/>
+            </a:pPr>
+            <a:endParaRPr lang="en-US" dirty="0"/>
+          </a:p>
+          <a:p>
+            <a:pPr marL="0" indent="0">
+              <a:buNone/>
+            </a:pPr>
+            <a:r>
+              <a:rPr lang="en-US" dirty="0"/>
+              <a:t>Review/understand the 3 sub-committee reports.</a:t>
+            </a:r>
+          </a:p>
+          <a:p>
+            <a:pPr marL="0" indent="0">
+              <a:buNone/>
+            </a:pPr>
+            <a:endParaRPr lang="en-US" dirty="0"/>
+          </a:p>
+          <a:p>
+            <a:pPr marL="0" indent="0">
+              <a:buNone/>
+            </a:pPr>
+            <a:r>
+              <a:rPr lang="en-US" dirty="0" smtClean="0"/>
+              <a:t>Council </a:t>
+            </a:r>
+            <a:r>
+              <a:rPr lang="en-US" dirty="0"/>
+              <a:t>members visions </a:t>
+            </a:r>
+            <a:r>
+              <a:rPr lang="en-US" dirty="0" smtClean="0"/>
+              <a:t>on continuing to carry </a:t>
+            </a:r>
+            <a:r>
+              <a:rPr lang="en-US" dirty="0"/>
+              <a:t>the </a:t>
+            </a:r>
+            <a:r>
+              <a:rPr lang="en-US" dirty="0" smtClean="0"/>
+              <a:t>torch/flame.</a:t>
+            </a:r>
+            <a:endParaRPr lang="en-US" dirty="0"/>
+          </a:p>
+          <a:p>
+            <a:pPr marL="0" indent="0">
+              <a:buNone/>
+            </a:pPr>
+            <a:endParaRPr lang="en-US" dirty="0"/>
+          </a:p>
+        </p:txBody>
+      </p:sp>
+      <p:sp>
+        <p:nvSpPr>
+          <p:cNvPr id="4" name="Slide Number Placeholder 3"/>
+          <p:cNvSpPr>
+            <a:spLocks noGrp="1"/>
+          </p:cNvSpPr>
+          <p:nvPr>
+            <p:ph type="sldNum" sz="quarter" idx="10"/>
+          </p:nvPr>
+        </p:nvSpPr>
+        <p:spPr/>
+        <p:txBody>
+          <a:bodyPr/>
+          <a:lstStyle/>
+          <a:p>
+            <a:pPr>
+              <a:defRPr/>
+            </a:pPr>
+            <a:fld id="{038AB4BC-D760-449D-A975-B1B41586F3D1}" type="slidenum">
+              <a:rPr lang="en-US" smtClean="0"/>
+              <a:pPr>
+                <a:defRPr/>
+              </a:pPr>
+              <a:t>8</a:t>
+            </a:fld>
+            <a:endParaRPr lang="en-US" dirty="0"/>
+          </a:p>
+        </p:txBody>
+      </p:sp>
+      <p:sp>
+        <p:nvSpPr>
+          <p:cNvPr id="5" name="Title 1"/>
+          <p:cNvSpPr>
+            <a:spLocks noGrp="1"/>
+          </p:cNvSpPr>
+          <p:nvPr>
+            <p:ph type="title"/>
+          </p:nvPr>
+        </p:nvSpPr>
+        <p:spPr>
+          <a:xfrm>
+            <a:off x="685800" y="0"/>
+            <a:ext cx="6946900" cy="1143000"/>
+          </a:xfrm>
+        </p:spPr>
+        <p:txBody>
+          <a:bodyPr/>
+          <a:lstStyle/>
+          <a:p>
+            <a:r>
+              <a:rPr lang="en-US" dirty="0" smtClean="0"/>
+              <a:t>Agenda for this meeting</a:t>
+            </a:r>
+            <a:endParaRPr lang="en-US" dirty="0"/>
+          </a:p>
+        </p:txBody>
+      </p:sp>
+    </p:spTree>
+    <p:extLst>
+      <p:ext uri="{BB962C8B-B14F-4D97-AF65-F5344CB8AC3E}">
+        <p14:creationId xmlns:p14="http://schemas.microsoft.com/office/powerpoint/2010/main" val="374295766"/>
+      </p:ext>
+    </p:extLst>
+  </p:cSld>
+  <p:clrMapOvr>
+    <a:masterClrMapping/>
+  </p:clrMapOvr>
+  <p:timing>
+    <p:tnLst>
+      <p:par>
+        <p:cTn xmlns:p14="http://schemas.microsoft.com/office/powerpoint/2010/main" id="1" dur="indefinite" restart="never" nodeType="tmRoot"/>
+      </p:par>
+    </p:tnLst>
+  </p:timing>
+</p:sld>
+</file>
+
+<file path=ppt/slides/slide9.xml><?xml version="1.0" encoding="utf-8"?>
 <p:sld xmlns:a="http://schemas.openxmlformats.org/drawingml/2006/main" xmlns:r="http://schemas.openxmlformats.org/officeDocument/2006/relationships" xmlns:p="http://schemas.openxmlformats.org/presentationml/2006/main">
   <p:cSld>
     <p:spTree>
@@ -4766,7 +6757,7 @@
               <a:pPr>
                 <a:defRPr/>
               </a:pPr>
-              <a:t>10</a:t>
+              <a:t>9</a:t>
             </a:fld>
             <a:endParaRPr lang="en-US" dirty="0"/>
           </a:p>
@@ -4816,1868 +6807,6 @@
     <p:extLst>
       <p:ext uri="{BB962C8B-B14F-4D97-AF65-F5344CB8AC3E}">
         <p14:creationId xmlns:p14="http://schemas.microsoft.com/office/powerpoint/2010/main" val="4181177749"/>
-      </p:ext>
-    </p:extLst>
-  </p:cSld>
-  <p:clrMapOvr>
-    <a:masterClrMapping/>
-  </p:clrMapOvr>
-  <p:timing>
-    <p:tnLst>
-      <p:par>
-        <p:cTn xmlns:p14="http://schemas.microsoft.com/office/powerpoint/2010/main" id="1" dur="indefinite" restart="never" nodeType="tmRoot"/>
-      </p:par>
-    </p:tnLst>
-  </p:timing>
-</p:sld>
-</file>
-
-<file path=ppt/slides/slide11.xml><?xml version="1.0" encoding="utf-8"?>
-<p:sld xmlns:a="http://schemas.openxmlformats.org/drawingml/2006/main" xmlns:r="http://schemas.openxmlformats.org/officeDocument/2006/relationships" xmlns:p="http://schemas.openxmlformats.org/presentationml/2006/main">
-  <p:cSld>
-    <p:spTree>
-      <p:nvGrpSpPr>
-        <p:cNvPr id="1" name=""/>
-        <p:cNvGrpSpPr/>
-        <p:nvPr/>
-      </p:nvGrpSpPr>
-      <p:grpSpPr>
-        <a:xfrm>
-          <a:off x="0" y="0"/>
-          <a:ext cx="0" cy="0"/>
-          <a:chOff x="0" y="0"/>
-          <a:chExt cx="0" cy="0"/>
-        </a:xfrm>
-      </p:grpSpPr>
-      <p:sp>
-        <p:nvSpPr>
-          <p:cNvPr id="2" name="Title 1"/>
-          <p:cNvSpPr>
-            <a:spLocks noGrp="1"/>
-          </p:cNvSpPr>
-          <p:nvPr>
-            <p:ph type="title"/>
-          </p:nvPr>
-        </p:nvSpPr>
-        <p:spPr/>
-        <p:txBody>
-          <a:bodyPr/>
-          <a:lstStyle/>
-          <a:p>
-            <a:r>
-              <a:rPr lang="en-US" dirty="0" smtClean="0"/>
-              <a:t>My Goals for Mar Council</a:t>
-            </a:r>
-            <a:endParaRPr lang="en-US" dirty="0"/>
-          </a:p>
-        </p:txBody>
-      </p:sp>
-      <p:sp>
-        <p:nvSpPr>
-          <p:cNvPr id="3" name="Content Placeholder 2"/>
-          <p:cNvSpPr>
-            <a:spLocks noGrp="1"/>
-          </p:cNvSpPr>
-          <p:nvPr>
-            <p:ph idx="1"/>
-          </p:nvPr>
-        </p:nvSpPr>
-        <p:spPr>
-          <a:xfrm>
-            <a:off x="342900" y="1333500"/>
-            <a:ext cx="8521700" cy="4686300"/>
-          </a:xfrm>
-        </p:spPr>
-        <p:txBody>
-          <a:bodyPr/>
-          <a:lstStyle/>
-          <a:p>
-            <a:pPr marL="0" indent="0">
-              <a:buNone/>
-            </a:pPr>
-            <a:endParaRPr lang="en-US" dirty="0"/>
-          </a:p>
-          <a:p>
-            <a:pPr marL="0" indent="0">
-              <a:buNone/>
-            </a:pPr>
-            <a:r>
-              <a:rPr lang="en-US" dirty="0" smtClean="0"/>
-              <a:t>Plan for next year?</a:t>
-            </a:r>
-          </a:p>
-          <a:p>
-            <a:r>
-              <a:rPr lang="en-US" dirty="0"/>
-              <a:t>Act on sub-committee </a:t>
-            </a:r>
-            <a:r>
-              <a:rPr lang="en-US" dirty="0" smtClean="0"/>
-              <a:t>recommendations</a:t>
-            </a:r>
-          </a:p>
-          <a:p>
-            <a:r>
-              <a:rPr lang="en-US" dirty="0" smtClean="0"/>
-              <a:t>Revisit Council members key interests.</a:t>
-            </a:r>
-          </a:p>
-          <a:p>
-            <a:pPr marL="0" indent="0">
-              <a:buNone/>
-            </a:pPr>
-            <a:endParaRPr lang="en-US" dirty="0"/>
-          </a:p>
-          <a:p>
-            <a:r>
-              <a:rPr lang="en-US" dirty="0" smtClean="0"/>
-              <a:t>Get agreement on:</a:t>
-            </a:r>
-          </a:p>
-          <a:p>
-            <a:pPr lvl="1"/>
-            <a:r>
-              <a:rPr lang="en-US" dirty="0" smtClean="0"/>
-              <a:t>Quarterly </a:t>
-            </a:r>
-            <a:r>
-              <a:rPr lang="en-US" dirty="0"/>
-              <a:t>(rather than monthly) l</a:t>
-            </a:r>
-            <a:r>
-              <a:rPr lang="en-US" dirty="0" smtClean="0"/>
-              <a:t>onger, more discursive, meetings</a:t>
-            </a:r>
-          </a:p>
-          <a:p>
-            <a:pPr lvl="1"/>
-            <a:r>
-              <a:rPr lang="en-US" dirty="0" smtClean="0"/>
-              <a:t>Semi-annual in Aug/Sept a “brainstorming/white boarding” meeting</a:t>
-            </a:r>
-          </a:p>
-          <a:p>
-            <a:pPr marL="0" indent="0">
-              <a:buNone/>
-            </a:pPr>
-            <a:endParaRPr lang="en-US" dirty="0"/>
-          </a:p>
-          <a:p>
-            <a:pPr marL="0" indent="0">
-              <a:buNone/>
-            </a:pPr>
-            <a:endParaRPr lang="en-US" dirty="0"/>
-          </a:p>
-        </p:txBody>
-      </p:sp>
-      <p:sp>
-        <p:nvSpPr>
-          <p:cNvPr id="4" name="Slide Number Placeholder 3"/>
-          <p:cNvSpPr>
-            <a:spLocks noGrp="1"/>
-          </p:cNvSpPr>
-          <p:nvPr>
-            <p:ph type="sldNum" sz="quarter" idx="10"/>
-          </p:nvPr>
-        </p:nvSpPr>
-        <p:spPr/>
-        <p:txBody>
-          <a:bodyPr/>
-          <a:lstStyle/>
-          <a:p>
-            <a:pPr>
-              <a:defRPr/>
-            </a:pPr>
-            <a:fld id="{038AB4BC-D760-449D-A975-B1B41586F3D1}" type="slidenum">
-              <a:rPr lang="en-US" smtClean="0"/>
-              <a:pPr>
-                <a:defRPr/>
-              </a:pPr>
-              <a:t>11</a:t>
-            </a:fld>
-            <a:endParaRPr lang="en-US" dirty="0"/>
-          </a:p>
-        </p:txBody>
-      </p:sp>
-    </p:spTree>
-    <p:extLst>
-      <p:ext uri="{BB962C8B-B14F-4D97-AF65-F5344CB8AC3E}">
-        <p14:creationId xmlns:p14="http://schemas.microsoft.com/office/powerpoint/2010/main" val="1600918110"/>
-      </p:ext>
-    </p:extLst>
-  </p:cSld>
-  <p:clrMapOvr>
-    <a:masterClrMapping/>
-  </p:clrMapOvr>
-  <p:timing>
-    <p:tnLst>
-      <p:par>
-        <p:cTn xmlns:p14="http://schemas.microsoft.com/office/powerpoint/2010/main" id="1" dur="indefinite" restart="never" nodeType="tmRoot"/>
-      </p:par>
-    </p:tnLst>
-  </p:timing>
-</p:sld>
-</file>
-
-<file path=ppt/slides/slide12.xml><?xml version="1.0" encoding="utf-8"?>
-<p:sld xmlns:a="http://schemas.openxmlformats.org/drawingml/2006/main" xmlns:r="http://schemas.openxmlformats.org/officeDocument/2006/relationships" xmlns:p="http://schemas.openxmlformats.org/presentationml/2006/main">
-  <p:cSld>
-    <p:spTree>
-      <p:nvGrpSpPr>
-        <p:cNvPr id="1" name=""/>
-        <p:cNvGrpSpPr/>
-        <p:nvPr/>
-      </p:nvGrpSpPr>
-      <p:grpSpPr>
-        <a:xfrm>
-          <a:off x="0" y="0"/>
-          <a:ext cx="0" cy="0"/>
-          <a:chOff x="0" y="0"/>
-          <a:chExt cx="0" cy="0"/>
-        </a:xfrm>
-      </p:grpSpPr>
-      <p:sp>
-        <p:nvSpPr>
-          <p:cNvPr id="2" name="Title 1"/>
-          <p:cNvSpPr>
-            <a:spLocks noGrp="1"/>
-          </p:cNvSpPr>
-          <p:nvPr>
-            <p:ph type="title"/>
-          </p:nvPr>
-        </p:nvSpPr>
-        <p:spPr/>
-        <p:txBody>
-          <a:bodyPr/>
-          <a:lstStyle/>
-          <a:p>
-            <a:endParaRPr lang="en-US"/>
-          </a:p>
-        </p:txBody>
-      </p:sp>
-      <p:sp>
-        <p:nvSpPr>
-          <p:cNvPr id="3" name="Content Placeholder 2"/>
-          <p:cNvSpPr>
-            <a:spLocks noGrp="1"/>
-          </p:cNvSpPr>
-          <p:nvPr>
-            <p:ph idx="1"/>
-          </p:nvPr>
-        </p:nvSpPr>
-        <p:spPr/>
-        <p:txBody>
-          <a:bodyPr/>
-          <a:lstStyle/>
-          <a:p>
-            <a:endParaRPr lang="en-US"/>
-          </a:p>
-        </p:txBody>
-      </p:sp>
-      <p:sp>
-        <p:nvSpPr>
-          <p:cNvPr id="4" name="Slide Number Placeholder 3"/>
-          <p:cNvSpPr>
-            <a:spLocks noGrp="1"/>
-          </p:cNvSpPr>
-          <p:nvPr>
-            <p:ph type="sldNum" sz="quarter" idx="10"/>
-          </p:nvPr>
-        </p:nvSpPr>
-        <p:spPr/>
-        <p:txBody>
-          <a:bodyPr/>
-          <a:lstStyle/>
-          <a:p>
-            <a:pPr>
-              <a:defRPr/>
-            </a:pPr>
-            <a:fld id="{038AB4BC-D760-449D-A975-B1B41586F3D1}" type="slidenum">
-              <a:rPr lang="en-US" smtClean="0"/>
-              <a:pPr>
-                <a:defRPr/>
-              </a:pPr>
-              <a:t>12</a:t>
-            </a:fld>
-            <a:endParaRPr lang="en-US" dirty="0"/>
-          </a:p>
-        </p:txBody>
-      </p:sp>
-      <p:pic>
-        <p:nvPicPr>
-          <p:cNvPr id="5" name="Picture 4" descr="1341776334-olympic-torch-relay-travels-through-hemel-hempstead_1322882.jpg"/>
-          <p:cNvPicPr>
-            <a:picLocks noChangeAspect="1"/>
-          </p:cNvPicPr>
-          <p:nvPr/>
-        </p:nvPicPr>
-        <p:blipFill>
-          <a:blip r:embed="rId2">
-            <a:extLst>
-              <a:ext uri="{28A0092B-C50C-407E-A947-70E740481C1C}">
-                <a14:useLocalDpi xmlns:a14="http://schemas.microsoft.com/office/drawing/2010/main" val="0"/>
-              </a:ext>
-            </a:extLst>
-          </a:blip>
-          <a:stretch>
-            <a:fillRect/>
-          </a:stretch>
-        </p:blipFill>
-        <p:spPr>
-          <a:xfrm>
-            <a:off x="0" y="393700"/>
-            <a:ext cx="9144000" cy="6069330"/>
-          </a:xfrm>
-          <a:prstGeom prst="rect">
-            <a:avLst/>
-          </a:prstGeom>
-        </p:spPr>
-      </p:pic>
-    </p:spTree>
-    <p:extLst>
-      <p:ext uri="{BB962C8B-B14F-4D97-AF65-F5344CB8AC3E}">
-        <p14:creationId xmlns:p14="http://schemas.microsoft.com/office/powerpoint/2010/main" val="183865096"/>
-      </p:ext>
-    </p:extLst>
-  </p:cSld>
-  <p:clrMapOvr>
-    <a:masterClrMapping/>
-  </p:clrMapOvr>
-  <p:timing>
-    <p:tnLst>
-      <p:par>
-        <p:cTn xmlns:p14="http://schemas.microsoft.com/office/powerpoint/2010/main" id="1" dur="indefinite" restart="never" nodeType="tmRoot"/>
-      </p:par>
-    </p:tnLst>
-  </p:timing>
-</p:sld>
-</file>
-
-<file path=ppt/slides/slide2.xml><?xml version="1.0" encoding="utf-8"?>
-<p:sld xmlns:a="http://schemas.openxmlformats.org/drawingml/2006/main" xmlns:r="http://schemas.openxmlformats.org/officeDocument/2006/relationships" xmlns:p="http://schemas.openxmlformats.org/presentationml/2006/main">
-  <p:cSld>
-    <p:spTree>
-      <p:nvGrpSpPr>
-        <p:cNvPr id="1" name=""/>
-        <p:cNvGrpSpPr/>
-        <p:nvPr/>
-      </p:nvGrpSpPr>
-      <p:grpSpPr>
-        <a:xfrm>
-          <a:off x="0" y="0"/>
-          <a:ext cx="0" cy="0"/>
-          <a:chOff x="0" y="0"/>
-          <a:chExt cx="0" cy="0"/>
-        </a:xfrm>
-      </p:grpSpPr>
-      <p:sp>
-        <p:nvSpPr>
-          <p:cNvPr id="2" name="Title 1"/>
-          <p:cNvSpPr>
-            <a:spLocks noGrp="1"/>
-          </p:cNvSpPr>
-          <p:nvPr>
-            <p:ph type="title"/>
-          </p:nvPr>
-        </p:nvSpPr>
-        <p:spPr>
-          <a:xfrm>
-            <a:off x="0" y="1041400"/>
-            <a:ext cx="2413000" cy="3911600"/>
-          </a:xfrm>
-        </p:spPr>
-        <p:txBody>
-          <a:bodyPr/>
-          <a:lstStyle/>
-          <a:p>
-            <a:r>
-              <a:rPr lang="en-US" dirty="0" smtClean="0"/>
-              <a:t>Do you </a:t>
-            </a:r>
-            <a:br>
-              <a:rPr lang="en-US" dirty="0" smtClean="0"/>
-            </a:br>
-            <a:r>
-              <a:rPr lang="en-US" dirty="0" smtClean="0"/>
-              <a:t>get the newsletter?</a:t>
-            </a:r>
-            <a:endParaRPr lang="en-US" dirty="0"/>
-          </a:p>
-        </p:txBody>
-      </p:sp>
-      <p:pic>
-        <p:nvPicPr>
-          <p:cNvPr id="5" name="Content Placeholder 4" descr="Newsletter.pdf"/>
-          <p:cNvPicPr>
-            <a:picLocks noGrp="1" noChangeAspect="1"/>
-          </p:cNvPicPr>
-          <p:nvPr>
-            <p:ph idx="1"/>
-          </p:nvPr>
-        </p:nvPicPr>
-        <p:blipFill rotWithShape="1">
-          <a:blip r:embed="rId2">
-            <a:extLst>
-              <a:ext uri="{28A0092B-C50C-407E-A947-70E740481C1C}">
-                <a14:useLocalDpi xmlns:a14="http://schemas.microsoft.com/office/drawing/2010/main" val="0"/>
-              </a:ext>
-            </a:extLst>
-          </a:blip>
-          <a:srcRect l="9314" t="14330" r="42321" b="12436"/>
-          <a:stretch/>
-        </p:blipFill>
-        <p:spPr>
-          <a:xfrm>
-            <a:off x="2527300" y="0"/>
-            <a:ext cx="3492675" cy="6843754"/>
-          </a:xfrm>
-        </p:spPr>
-      </p:pic>
-      <p:sp>
-        <p:nvSpPr>
-          <p:cNvPr id="4" name="Slide Number Placeholder 3"/>
-          <p:cNvSpPr>
-            <a:spLocks noGrp="1"/>
-          </p:cNvSpPr>
-          <p:nvPr>
-            <p:ph type="sldNum" sz="quarter" idx="10"/>
-          </p:nvPr>
-        </p:nvSpPr>
-        <p:spPr/>
-        <p:txBody>
-          <a:bodyPr/>
-          <a:lstStyle/>
-          <a:p>
-            <a:pPr>
-              <a:defRPr/>
-            </a:pPr>
-            <a:fld id="{038AB4BC-D760-449D-A975-B1B41586F3D1}" type="slidenum">
-              <a:rPr lang="en-US" smtClean="0"/>
-              <a:pPr>
-                <a:defRPr/>
-              </a:pPr>
-              <a:t>2</a:t>
-            </a:fld>
-            <a:endParaRPr lang="en-US" dirty="0"/>
-          </a:p>
-        </p:txBody>
-      </p:sp>
-      <p:sp>
-        <p:nvSpPr>
-          <p:cNvPr id="6" name="Title 1"/>
-          <p:cNvSpPr txBox="1">
-            <a:spLocks/>
-          </p:cNvSpPr>
-          <p:nvPr/>
-        </p:nvSpPr>
-        <p:spPr bwMode="auto">
-          <a:xfrm>
-            <a:off x="6235700" y="1143000"/>
-            <a:ext cx="2743200" cy="3911600"/>
-          </a:xfrm>
-          <a:prstGeom prst="rect">
-            <a:avLst/>
-          </a:prstGeom>
-          <a:noFill/>
-          <a:ln w="9525">
-            <a:noFill/>
-            <a:miter lim="800000"/>
-            <a:headEnd/>
-            <a:tailEnd/>
-          </a:ln>
-        </p:spPr>
-        <p:txBody>
-          <a:bodyPr vert="horz" wrap="square" lIns="91440" tIns="45720" rIns="91440" bIns="45720" numCol="1" anchor="ctr" anchorCtr="0" compatLnSpc="1">
-            <a:prstTxWarp prst="textNoShape">
-              <a:avLst/>
-            </a:prstTxWarp>
-          </a:bodyPr>
-          <a:lstStyle>
-            <a:lvl1pPr algn="ctr" rtl="0" eaLnBrk="0" fontAlgn="base" hangingPunct="0">
-              <a:spcBef>
-                <a:spcPct val="0"/>
-              </a:spcBef>
-              <a:spcAft>
-                <a:spcPct val="0"/>
-              </a:spcAft>
-              <a:defRPr kumimoji="1" sz="3200">
-                <a:solidFill>
-                  <a:schemeClr val="bg1"/>
-                </a:solidFill>
-                <a:latin typeface="+mj-lt"/>
-                <a:ea typeface="+mj-ea"/>
-                <a:cs typeface="ＭＳ Ｐゴシック"/>
-              </a:defRPr>
-            </a:lvl1pPr>
-            <a:lvl2pPr algn="ctr" rtl="0" eaLnBrk="0" fontAlgn="base" hangingPunct="0">
-              <a:spcBef>
-                <a:spcPct val="0"/>
-              </a:spcBef>
-              <a:spcAft>
-                <a:spcPct val="0"/>
-              </a:spcAft>
-              <a:defRPr kumimoji="1" sz="3200">
-                <a:solidFill>
-                  <a:srgbClr val="000080"/>
-                </a:solidFill>
-                <a:latin typeface="Futura" pitchFamily="16" charset="0"/>
-                <a:ea typeface="ＭＳ Ｐゴシック" pitchFamily="1" charset="-128"/>
-                <a:cs typeface="ＭＳ Ｐゴシック"/>
-              </a:defRPr>
-            </a:lvl2pPr>
-            <a:lvl3pPr algn="ctr" rtl="0" eaLnBrk="0" fontAlgn="base" hangingPunct="0">
-              <a:spcBef>
-                <a:spcPct val="0"/>
-              </a:spcBef>
-              <a:spcAft>
-                <a:spcPct val="0"/>
-              </a:spcAft>
-              <a:defRPr kumimoji="1" sz="3200">
-                <a:solidFill>
-                  <a:srgbClr val="000080"/>
-                </a:solidFill>
-                <a:latin typeface="Futura" pitchFamily="16" charset="0"/>
-                <a:ea typeface="ＭＳ Ｐゴシック" pitchFamily="1" charset="-128"/>
-                <a:cs typeface="ＭＳ Ｐゴシック"/>
-              </a:defRPr>
-            </a:lvl3pPr>
-            <a:lvl4pPr algn="ctr" rtl="0" eaLnBrk="0" fontAlgn="base" hangingPunct="0">
-              <a:spcBef>
-                <a:spcPct val="0"/>
-              </a:spcBef>
-              <a:spcAft>
-                <a:spcPct val="0"/>
-              </a:spcAft>
-              <a:defRPr kumimoji="1" sz="3200">
-                <a:solidFill>
-                  <a:srgbClr val="000080"/>
-                </a:solidFill>
-                <a:latin typeface="Futura" pitchFamily="16" charset="0"/>
-                <a:ea typeface="ＭＳ Ｐゴシック" pitchFamily="1" charset="-128"/>
-                <a:cs typeface="ＭＳ Ｐゴシック"/>
-              </a:defRPr>
-            </a:lvl4pPr>
-            <a:lvl5pPr algn="ctr" rtl="0" eaLnBrk="0" fontAlgn="base" hangingPunct="0">
-              <a:spcBef>
-                <a:spcPct val="0"/>
-              </a:spcBef>
-              <a:spcAft>
-                <a:spcPct val="0"/>
-              </a:spcAft>
-              <a:defRPr kumimoji="1" sz="3200">
-                <a:solidFill>
-                  <a:srgbClr val="000080"/>
-                </a:solidFill>
-                <a:latin typeface="Futura" pitchFamily="16" charset="0"/>
-                <a:ea typeface="ＭＳ Ｐゴシック" pitchFamily="1" charset="-128"/>
-                <a:cs typeface="ＭＳ Ｐゴシック"/>
-              </a:defRPr>
-            </a:lvl5pPr>
-            <a:lvl6pPr marL="457200" algn="ctr" rtl="0" fontAlgn="base">
-              <a:spcBef>
-                <a:spcPct val="0"/>
-              </a:spcBef>
-              <a:spcAft>
-                <a:spcPct val="0"/>
-              </a:spcAft>
-              <a:defRPr kumimoji="1" sz="3200">
-                <a:solidFill>
-                  <a:srgbClr val="000080"/>
-                </a:solidFill>
-                <a:latin typeface="Futura" pitchFamily="16" charset="0"/>
-                <a:ea typeface="ＭＳ Ｐゴシック" pitchFamily="1" charset="-128"/>
-              </a:defRPr>
-            </a:lvl6pPr>
-            <a:lvl7pPr marL="914400" algn="ctr" rtl="0" fontAlgn="base">
-              <a:spcBef>
-                <a:spcPct val="0"/>
-              </a:spcBef>
-              <a:spcAft>
-                <a:spcPct val="0"/>
-              </a:spcAft>
-              <a:defRPr kumimoji="1" sz="3200">
-                <a:solidFill>
-                  <a:srgbClr val="000080"/>
-                </a:solidFill>
-                <a:latin typeface="Futura" pitchFamily="16" charset="0"/>
-                <a:ea typeface="ＭＳ Ｐゴシック" pitchFamily="1" charset="-128"/>
-              </a:defRPr>
-            </a:lvl7pPr>
-            <a:lvl8pPr marL="1371600" algn="ctr" rtl="0" fontAlgn="base">
-              <a:spcBef>
-                <a:spcPct val="0"/>
-              </a:spcBef>
-              <a:spcAft>
-                <a:spcPct val="0"/>
-              </a:spcAft>
-              <a:defRPr kumimoji="1" sz="3200">
-                <a:solidFill>
-                  <a:srgbClr val="000080"/>
-                </a:solidFill>
-                <a:latin typeface="Futura" pitchFamily="16" charset="0"/>
-                <a:ea typeface="ＭＳ Ｐゴシック" pitchFamily="1" charset="-128"/>
-              </a:defRPr>
-            </a:lvl8pPr>
-            <a:lvl9pPr marL="1828800" algn="ctr" rtl="0" fontAlgn="base">
-              <a:spcBef>
-                <a:spcPct val="0"/>
-              </a:spcBef>
-              <a:spcAft>
-                <a:spcPct val="0"/>
-              </a:spcAft>
-              <a:defRPr kumimoji="1" sz="3200">
-                <a:solidFill>
-                  <a:srgbClr val="000080"/>
-                </a:solidFill>
-                <a:latin typeface="Futura" pitchFamily="16" charset="0"/>
-                <a:ea typeface="ＭＳ Ｐゴシック" pitchFamily="1" charset="-128"/>
-              </a:defRPr>
-            </a:lvl9pPr>
-          </a:lstStyle>
-          <a:p>
-            <a:r>
-              <a:rPr lang="en-US" dirty="0" smtClean="0">
-                <a:solidFill>
-                  <a:srgbClr val="000090"/>
-                </a:solidFill>
-              </a:rPr>
-              <a:t>Do you </a:t>
-            </a:r>
-          </a:p>
-          <a:p>
-            <a:r>
-              <a:rPr lang="en-US" dirty="0" smtClean="0">
-                <a:solidFill>
-                  <a:srgbClr val="000090"/>
-                </a:solidFill>
-              </a:rPr>
-              <a:t>read the newsletter?</a:t>
-            </a:r>
-            <a:endParaRPr lang="en-US" dirty="0">
-              <a:solidFill>
-                <a:srgbClr val="000090"/>
-              </a:solidFill>
-            </a:endParaRPr>
-          </a:p>
-        </p:txBody>
-      </p:sp>
-    </p:spTree>
-    <p:extLst>
-      <p:ext uri="{BB962C8B-B14F-4D97-AF65-F5344CB8AC3E}">
-        <p14:creationId xmlns:p14="http://schemas.microsoft.com/office/powerpoint/2010/main" val="423344608"/>
-      </p:ext>
-    </p:extLst>
-  </p:cSld>
-  <p:clrMapOvr>
-    <a:masterClrMapping/>
-  </p:clrMapOvr>
-  <p:timing>
-    <p:tnLst>
-      <p:par>
-        <p:cTn xmlns:p14="http://schemas.microsoft.com/office/powerpoint/2010/main" id="1" dur="indefinite" restart="never" nodeType="tmRoot"/>
-      </p:par>
-    </p:tnLst>
-  </p:timing>
-</p:sld>
-</file>
-
-<file path=ppt/slides/slide3.xml><?xml version="1.0" encoding="utf-8"?>
-<p:sld xmlns:a="http://schemas.openxmlformats.org/drawingml/2006/main" xmlns:r="http://schemas.openxmlformats.org/officeDocument/2006/relationships" xmlns:p="http://schemas.openxmlformats.org/presentationml/2006/main">
-  <p:cSld>
-    <p:spTree>
-      <p:nvGrpSpPr>
-        <p:cNvPr id="1" name=""/>
-        <p:cNvGrpSpPr/>
-        <p:nvPr/>
-      </p:nvGrpSpPr>
-      <p:grpSpPr>
-        <a:xfrm>
-          <a:off x="0" y="0"/>
-          <a:ext cx="0" cy="0"/>
-          <a:chOff x="0" y="0"/>
-          <a:chExt cx="0" cy="0"/>
-        </a:xfrm>
-      </p:grpSpPr>
-      <p:sp>
-        <p:nvSpPr>
-          <p:cNvPr id="2" name="Title 1"/>
-          <p:cNvSpPr>
-            <a:spLocks noGrp="1"/>
-          </p:cNvSpPr>
-          <p:nvPr>
-            <p:ph type="ctrTitle"/>
-          </p:nvPr>
-        </p:nvSpPr>
-        <p:spPr/>
-        <p:txBody>
-          <a:bodyPr/>
-          <a:lstStyle/>
-          <a:p>
-            <a:r>
-              <a:rPr lang="en-US" dirty="0" smtClean="0"/>
-              <a:t>OSG Council, Mar 14-15</a:t>
-            </a:r>
-            <a:r>
-              <a:rPr lang="en-US" baseline="30000" dirty="0" smtClean="0"/>
-              <a:t>th</a:t>
-            </a:r>
-            <a:r>
-              <a:rPr lang="en-US" dirty="0" smtClean="0"/>
-              <a:t> 2013</a:t>
-            </a:r>
-            <a:endParaRPr lang="en-US" dirty="0"/>
-          </a:p>
-        </p:txBody>
-      </p:sp>
-      <p:sp>
-        <p:nvSpPr>
-          <p:cNvPr id="3" name="Subtitle 2"/>
-          <p:cNvSpPr>
-            <a:spLocks noGrp="1"/>
-          </p:cNvSpPr>
-          <p:nvPr>
-            <p:ph type="subTitle" idx="1"/>
-          </p:nvPr>
-        </p:nvSpPr>
-        <p:spPr>
-          <a:xfrm>
-            <a:off x="647700" y="3886200"/>
-            <a:ext cx="8128000" cy="749300"/>
-          </a:xfrm>
-        </p:spPr>
-        <p:txBody>
-          <a:bodyPr/>
-          <a:lstStyle/>
-          <a:p>
-            <a:r>
-              <a:rPr lang="en-US" dirty="0" smtClean="0"/>
-              <a:t>Ruth Pordes, Council Chair</a:t>
-            </a:r>
-            <a:endParaRPr lang="en-US" dirty="0"/>
-          </a:p>
-        </p:txBody>
-      </p:sp>
-    </p:spTree>
-    <p:extLst>
-      <p:ext uri="{BB962C8B-B14F-4D97-AF65-F5344CB8AC3E}">
-        <p14:creationId xmlns:p14="http://schemas.microsoft.com/office/powerpoint/2010/main" val="1274575339"/>
-      </p:ext>
-    </p:extLst>
-  </p:cSld>
-  <p:clrMapOvr>
-    <a:masterClrMapping/>
-  </p:clrMapOvr>
-  <p:timing>
-    <p:tnLst>
-      <p:par>
-        <p:cTn xmlns:p14="http://schemas.microsoft.com/office/powerpoint/2010/main" id="1" dur="indefinite" restart="never" nodeType="tmRoot"/>
-      </p:par>
-    </p:tnLst>
-  </p:timing>
-</p:sld>
-</file>
-
-<file path=ppt/slides/slide4.xml><?xml version="1.0" encoding="utf-8"?>
-<p:sld xmlns:a="http://schemas.openxmlformats.org/drawingml/2006/main" xmlns:r="http://schemas.openxmlformats.org/officeDocument/2006/relationships" xmlns:p="http://schemas.openxmlformats.org/presentationml/2006/main">
-  <p:cSld>
-    <p:spTree>
-      <p:nvGrpSpPr>
-        <p:cNvPr id="1" name=""/>
-        <p:cNvGrpSpPr/>
-        <p:nvPr/>
-      </p:nvGrpSpPr>
-      <p:grpSpPr>
-        <a:xfrm>
-          <a:off x="0" y="0"/>
-          <a:ext cx="0" cy="0"/>
-          <a:chOff x="0" y="0"/>
-          <a:chExt cx="0" cy="0"/>
-        </a:xfrm>
-      </p:grpSpPr>
-      <p:sp>
-        <p:nvSpPr>
-          <p:cNvPr id="3" name="Content Placeholder 2"/>
-          <p:cNvSpPr>
-            <a:spLocks noGrp="1"/>
-          </p:cNvSpPr>
-          <p:nvPr>
-            <p:ph idx="1"/>
-          </p:nvPr>
-        </p:nvSpPr>
-        <p:spPr/>
-        <p:txBody>
-          <a:bodyPr/>
-          <a:lstStyle/>
-          <a:p>
-            <a:pPr marL="0" indent="0">
-              <a:buNone/>
-            </a:pPr>
-            <a:r>
-              <a:rPr lang="en-US" dirty="0" smtClean="0"/>
-              <a:t>Thank you to Elizabeth for filling in for Kimberly at short notice. </a:t>
-            </a:r>
-          </a:p>
-          <a:p>
-            <a:pPr marL="0" indent="0">
-              <a:buNone/>
-            </a:pPr>
-            <a:endParaRPr lang="en-US" dirty="0"/>
-          </a:p>
-          <a:p>
-            <a:pPr marL="0" indent="0">
-              <a:buNone/>
-            </a:pPr>
-            <a:r>
-              <a:rPr lang="en-US" dirty="0" smtClean="0"/>
-              <a:t>She will take down decisions and action items – not full minutes.</a:t>
-            </a:r>
-          </a:p>
-          <a:p>
-            <a:pPr marL="0" indent="0">
-              <a:buNone/>
-            </a:pPr>
-            <a:endParaRPr lang="en-US" dirty="0"/>
-          </a:p>
-        </p:txBody>
-      </p:sp>
-      <p:sp>
-        <p:nvSpPr>
-          <p:cNvPr id="4" name="Slide Number Placeholder 3"/>
-          <p:cNvSpPr>
-            <a:spLocks noGrp="1"/>
-          </p:cNvSpPr>
-          <p:nvPr>
-            <p:ph type="sldNum" sz="quarter" idx="10"/>
-          </p:nvPr>
-        </p:nvSpPr>
-        <p:spPr/>
-        <p:txBody>
-          <a:bodyPr/>
-          <a:lstStyle/>
-          <a:p>
-            <a:pPr>
-              <a:defRPr/>
-            </a:pPr>
-            <a:fld id="{038AB4BC-D760-449D-A975-B1B41586F3D1}" type="slidenum">
-              <a:rPr lang="en-US" smtClean="0"/>
-              <a:pPr>
-                <a:defRPr/>
-              </a:pPr>
-              <a:t>4</a:t>
-            </a:fld>
-            <a:endParaRPr lang="en-US" dirty="0"/>
-          </a:p>
-        </p:txBody>
-      </p:sp>
-    </p:spTree>
-    <p:extLst>
-      <p:ext uri="{BB962C8B-B14F-4D97-AF65-F5344CB8AC3E}">
-        <p14:creationId xmlns:p14="http://schemas.microsoft.com/office/powerpoint/2010/main" val="1774700517"/>
-      </p:ext>
-    </p:extLst>
-  </p:cSld>
-  <p:clrMapOvr>
-    <a:masterClrMapping/>
-  </p:clrMapOvr>
-  <p:timing>
-    <p:tnLst>
-      <p:par>
-        <p:cTn xmlns:p14="http://schemas.microsoft.com/office/powerpoint/2010/main" id="1" dur="indefinite" restart="never" nodeType="tmRoot"/>
-      </p:par>
-    </p:tnLst>
-  </p:timing>
-</p:sld>
-</file>
-
-<file path=ppt/slides/slide5.xml><?xml version="1.0" encoding="utf-8"?>
-<p:sld xmlns:a="http://schemas.openxmlformats.org/drawingml/2006/main" xmlns:r="http://schemas.openxmlformats.org/officeDocument/2006/relationships" xmlns:p="http://schemas.openxmlformats.org/presentationml/2006/main">
-  <p:cSld>
-    <p:spTree>
-      <p:nvGrpSpPr>
-        <p:cNvPr id="1" name=""/>
-        <p:cNvGrpSpPr/>
-        <p:nvPr/>
-      </p:nvGrpSpPr>
-      <p:grpSpPr>
-        <a:xfrm>
-          <a:off x="0" y="0"/>
-          <a:ext cx="0" cy="0"/>
-          <a:chOff x="0" y="0"/>
-          <a:chExt cx="0" cy="0"/>
-        </a:xfrm>
-      </p:grpSpPr>
-      <p:sp>
-        <p:nvSpPr>
-          <p:cNvPr id="2" name="Title 1"/>
-          <p:cNvSpPr>
-            <a:spLocks noGrp="1"/>
-          </p:cNvSpPr>
-          <p:nvPr>
-            <p:ph type="title"/>
-          </p:nvPr>
-        </p:nvSpPr>
-        <p:spPr/>
-        <p:txBody>
-          <a:bodyPr/>
-          <a:lstStyle/>
-          <a:p>
-            <a:r>
-              <a:rPr lang="en-US" dirty="0" smtClean="0"/>
-              <a:t>Aug 2012 - Mar 2013</a:t>
-            </a:r>
-            <a:endParaRPr lang="en-US" dirty="0"/>
-          </a:p>
-        </p:txBody>
-      </p:sp>
-      <p:sp>
-        <p:nvSpPr>
-          <p:cNvPr id="3" name="Content Placeholder 2"/>
-          <p:cNvSpPr>
-            <a:spLocks noGrp="1"/>
-          </p:cNvSpPr>
-          <p:nvPr>
-            <p:ph idx="1"/>
-          </p:nvPr>
-        </p:nvSpPr>
-        <p:spPr>
-          <a:xfrm>
-            <a:off x="635000" y="1384300"/>
-            <a:ext cx="7721600" cy="1993900"/>
-          </a:xfrm>
-        </p:spPr>
-        <p:txBody>
-          <a:bodyPr/>
-          <a:lstStyle/>
-          <a:p>
-            <a:pPr marL="0" indent="0">
-              <a:buNone/>
-            </a:pPr>
-            <a:r>
-              <a:rPr lang="en-US" i="1" dirty="0" smtClean="0"/>
-              <a:t>August: Take concrete decisions towards ensuring the Council membership and agendas are truly representative of and focused on extending the mutual benefits of new communities (especially non-physics and campus) and the OSG.</a:t>
-            </a:r>
-          </a:p>
-          <a:p>
-            <a:pPr marL="0" indent="0">
-              <a:buNone/>
-            </a:pPr>
-            <a:endParaRPr lang="en-US" dirty="0"/>
-          </a:p>
-          <a:p>
-            <a:pPr marL="0" indent="0">
-              <a:buNone/>
-            </a:pPr>
-            <a:r>
-              <a:rPr lang="en-US" dirty="0" smtClean="0"/>
-              <a:t>March: Application by Campus Infrastructure at CRC/ND accepted onto the Council. 2 other approaches in progress but both individuals have constraints: a) overload b) availability for the months traditionally have face to face meetings.</a:t>
-            </a:r>
-          </a:p>
-          <a:p>
-            <a:pPr marL="0" indent="0">
-              <a:buNone/>
-            </a:pPr>
-            <a:endParaRPr lang="en-US" dirty="0"/>
-          </a:p>
-        </p:txBody>
-      </p:sp>
-      <p:sp>
-        <p:nvSpPr>
-          <p:cNvPr id="4" name="Slide Number Placeholder 3"/>
-          <p:cNvSpPr>
-            <a:spLocks noGrp="1"/>
-          </p:cNvSpPr>
-          <p:nvPr>
-            <p:ph type="sldNum" sz="quarter" idx="10"/>
-          </p:nvPr>
-        </p:nvSpPr>
-        <p:spPr/>
-        <p:txBody>
-          <a:bodyPr/>
-          <a:lstStyle/>
-          <a:p>
-            <a:pPr>
-              <a:defRPr/>
-            </a:pPr>
-            <a:fld id="{038AB4BC-D760-449D-A975-B1B41586F3D1}" type="slidenum">
-              <a:rPr lang="en-US" smtClean="0"/>
-              <a:pPr>
-                <a:defRPr/>
-              </a:pPr>
-              <a:t>5</a:t>
-            </a:fld>
-            <a:endParaRPr lang="en-US" dirty="0"/>
-          </a:p>
-        </p:txBody>
-      </p:sp>
-    </p:spTree>
-    <p:extLst>
-      <p:ext uri="{BB962C8B-B14F-4D97-AF65-F5344CB8AC3E}">
-        <p14:creationId xmlns:p14="http://schemas.microsoft.com/office/powerpoint/2010/main" val="2585140102"/>
-      </p:ext>
-    </p:extLst>
-  </p:cSld>
-  <p:clrMapOvr>
-    <a:masterClrMapping/>
-  </p:clrMapOvr>
-  <p:timing>
-    <p:tnLst>
-      <p:par>
-        <p:cTn xmlns:p14="http://schemas.microsoft.com/office/powerpoint/2010/main" id="1" dur="indefinite" restart="never" nodeType="tmRoot"/>
-      </p:par>
-    </p:tnLst>
-  </p:timing>
-</p:sld>
-</file>
-
-<file path=ppt/slides/slide6.xml><?xml version="1.0" encoding="utf-8"?>
-<p:sld xmlns:a="http://schemas.openxmlformats.org/drawingml/2006/main" xmlns:r="http://schemas.openxmlformats.org/officeDocument/2006/relationships" xmlns:p="http://schemas.openxmlformats.org/presentationml/2006/main">
-  <p:cSld>
-    <p:spTree>
-      <p:nvGrpSpPr>
-        <p:cNvPr id="1" name=""/>
-        <p:cNvGrpSpPr/>
-        <p:nvPr/>
-      </p:nvGrpSpPr>
-      <p:grpSpPr>
-        <a:xfrm>
-          <a:off x="0" y="0"/>
-          <a:ext cx="0" cy="0"/>
-          <a:chOff x="0" y="0"/>
-          <a:chExt cx="0" cy="0"/>
-        </a:xfrm>
-      </p:grpSpPr>
-      <p:sp>
-        <p:nvSpPr>
-          <p:cNvPr id="3" name="Content Placeholder 2"/>
-          <p:cNvSpPr>
-            <a:spLocks noGrp="1"/>
-          </p:cNvSpPr>
-          <p:nvPr>
-            <p:ph idx="1"/>
-          </p:nvPr>
-        </p:nvSpPr>
-        <p:spPr>
-          <a:xfrm>
-            <a:off x="774700" y="1955800"/>
-            <a:ext cx="7772400" cy="4318000"/>
-          </a:xfrm>
-        </p:spPr>
-        <p:txBody>
-          <a:bodyPr/>
-          <a:lstStyle/>
-          <a:p>
-            <a:pPr marL="0" indent="0">
-              <a:buNone/>
-            </a:pPr>
-            <a:r>
-              <a:rPr lang="en-US" dirty="0" smtClean="0">
-                <a:solidFill>
-                  <a:srgbClr val="000090"/>
-                </a:solidFill>
-              </a:rPr>
-              <a:t>Consortium</a:t>
-            </a:r>
-            <a:r>
-              <a:rPr lang="en-US" dirty="0" smtClean="0"/>
-              <a:t> </a:t>
-            </a:r>
-            <a:r>
-              <a:rPr lang="en-US" dirty="0" smtClean="0">
-                <a:solidFill>
-                  <a:srgbClr val="000090"/>
-                </a:solidFill>
-              </a:rPr>
-              <a:t>Members: </a:t>
-            </a:r>
-          </a:p>
-          <a:p>
-            <a:pPr marL="0" indent="0">
-              <a:buNone/>
-            </a:pPr>
-            <a:r>
-              <a:rPr lang="en-US" i="1" dirty="0" smtClean="0">
-                <a:solidFill>
-                  <a:srgbClr val="000090"/>
-                </a:solidFill>
-                <a:cs typeface="Arial"/>
-              </a:rPr>
-              <a:t>All </a:t>
-            </a:r>
-            <a:r>
-              <a:rPr lang="en-US" i="1" dirty="0">
-                <a:solidFill>
-                  <a:srgbClr val="000090"/>
-                </a:solidFill>
-                <a:cs typeface="Arial"/>
-              </a:rPr>
-              <a:t>organizations and their </a:t>
-            </a:r>
-            <a:r>
-              <a:rPr lang="en-US" i="1" dirty="0" smtClean="0">
-                <a:solidFill>
-                  <a:srgbClr val="000090"/>
-                </a:solidFill>
-                <a:cs typeface="Arial"/>
-              </a:rPr>
-              <a:t>members </a:t>
-            </a:r>
-            <a:r>
-              <a:rPr lang="en-US" i="1" dirty="0">
-                <a:solidFill>
-                  <a:srgbClr val="000090"/>
-                </a:solidFill>
-                <a:cs typeface="Arial"/>
-              </a:rPr>
-              <a:t>who benefit from </a:t>
-            </a:r>
-            <a:r>
-              <a:rPr lang="en-US" i="1" dirty="0" smtClean="0">
-                <a:solidFill>
-                  <a:srgbClr val="000090"/>
-                </a:solidFill>
-                <a:cs typeface="Arial"/>
-              </a:rPr>
-              <a:t>the </a:t>
-            </a:r>
-            <a:r>
-              <a:rPr lang="en-US" i="1" dirty="0">
-                <a:solidFill>
-                  <a:srgbClr val="000090"/>
-                </a:solidFill>
-                <a:cs typeface="Arial"/>
-              </a:rPr>
-              <a:t>OSG eco-</a:t>
-            </a:r>
-            <a:r>
-              <a:rPr lang="en-US" i="1" dirty="0" smtClean="0">
-                <a:solidFill>
-                  <a:srgbClr val="000090"/>
-                </a:solidFill>
-                <a:cs typeface="Arial"/>
-              </a:rPr>
-              <a:t>system. </a:t>
-            </a:r>
-            <a:r>
-              <a:rPr lang="en-US" i="1" dirty="0">
-                <a:solidFill>
-                  <a:srgbClr val="000090"/>
-                </a:solidFill>
-                <a:cs typeface="Arial"/>
-              </a:rPr>
-              <a:t>B</a:t>
-            </a:r>
-            <a:r>
-              <a:rPr lang="en-US" i="1" dirty="0" smtClean="0">
-                <a:solidFill>
-                  <a:srgbClr val="000090"/>
-                </a:solidFill>
-                <a:cs typeface="Arial"/>
-              </a:rPr>
-              <a:t>enefits include use of and/or contributions to one or more of the resources, the fabric </a:t>
-            </a:r>
-            <a:r>
-              <a:rPr lang="en-US" i="1" dirty="0">
-                <a:solidFill>
-                  <a:srgbClr val="000090"/>
-                </a:solidFill>
-                <a:cs typeface="Arial"/>
-              </a:rPr>
-              <a:t>of services, software, </a:t>
-            </a:r>
-            <a:r>
-              <a:rPr lang="en-US" i="1" dirty="0" smtClean="0">
-                <a:solidFill>
-                  <a:srgbClr val="000090"/>
-                </a:solidFill>
-                <a:cs typeface="Arial"/>
-              </a:rPr>
-              <a:t>computer science experimentation, sociological study, etc. </a:t>
-            </a:r>
-          </a:p>
-          <a:p>
-            <a:pPr marL="0" indent="0">
-              <a:buNone/>
-            </a:pPr>
-            <a:endParaRPr lang="en-US" dirty="0">
-              <a:solidFill>
-                <a:srgbClr val="000090"/>
-              </a:solidFill>
-              <a:cs typeface="Arial"/>
-            </a:endParaRPr>
-          </a:p>
-          <a:p>
-            <a:pPr marL="0" indent="0" defTabSz="457200" fontAlgn="auto">
-              <a:spcBef>
-                <a:spcPts val="0"/>
-              </a:spcBef>
-              <a:spcAft>
-                <a:spcPts val="0"/>
-              </a:spcAft>
-              <a:buNone/>
-            </a:pPr>
-            <a:r>
-              <a:rPr lang="en-US" dirty="0" smtClean="0">
-                <a:solidFill>
-                  <a:srgbClr val="000090"/>
-                </a:solidFill>
-                <a:cs typeface="Arial"/>
-              </a:rPr>
-              <a:t>Council Members: </a:t>
-            </a:r>
-          </a:p>
-          <a:p>
-            <a:pPr marL="0" indent="0" defTabSz="457200" fontAlgn="auto">
-              <a:spcBef>
-                <a:spcPts val="0"/>
-              </a:spcBef>
-              <a:spcAft>
-                <a:spcPts val="0"/>
-              </a:spcAft>
-              <a:buNone/>
-            </a:pPr>
-            <a:r>
-              <a:rPr lang="en-US" i="1" dirty="0" smtClean="0">
-                <a:solidFill>
-                  <a:srgbClr val="000090"/>
-                </a:solidFill>
-                <a:cs typeface="Arial"/>
-              </a:rPr>
-              <a:t>Govern. Represent </a:t>
-            </a:r>
-            <a:r>
-              <a:rPr lang="en-US" i="1" dirty="0">
-                <a:solidFill>
-                  <a:srgbClr val="000090"/>
-                </a:solidFill>
-                <a:cs typeface="Arial"/>
-              </a:rPr>
-              <a:t>all </a:t>
-            </a:r>
-            <a:r>
-              <a:rPr lang="en-US" i="1" dirty="0" smtClean="0">
-                <a:solidFill>
-                  <a:srgbClr val="000090"/>
-                </a:solidFill>
-                <a:cs typeface="Arial"/>
-              </a:rPr>
-              <a:t>Consortium Members. Are the most active contributors to the mission. Oversee the Projects.</a:t>
-            </a:r>
-            <a:endParaRPr lang="en-US" i="1" dirty="0">
-              <a:solidFill>
-                <a:srgbClr val="000090"/>
-              </a:solidFill>
-              <a:cs typeface="Arial"/>
-            </a:endParaRPr>
-          </a:p>
-          <a:p>
-            <a:pPr marL="0" indent="0">
-              <a:buNone/>
-            </a:pPr>
-            <a:endParaRPr lang="en-US" dirty="0">
-              <a:solidFill>
-                <a:srgbClr val="000090"/>
-              </a:solidFill>
-              <a:cs typeface="Arial"/>
-            </a:endParaRPr>
-          </a:p>
-          <a:p>
-            <a:pPr marL="0" indent="0">
-              <a:buNone/>
-            </a:pPr>
-            <a:endParaRPr lang="en-US" dirty="0"/>
-          </a:p>
-        </p:txBody>
-      </p:sp>
-      <p:sp>
-        <p:nvSpPr>
-          <p:cNvPr id="4" name="Slide Number Placeholder 3"/>
-          <p:cNvSpPr>
-            <a:spLocks noGrp="1"/>
-          </p:cNvSpPr>
-          <p:nvPr>
-            <p:ph type="sldNum" sz="quarter" idx="10"/>
-          </p:nvPr>
-        </p:nvSpPr>
-        <p:spPr/>
-        <p:txBody>
-          <a:bodyPr/>
-          <a:lstStyle/>
-          <a:p>
-            <a:pPr>
-              <a:defRPr/>
-            </a:pPr>
-            <a:fld id="{038AB4BC-D760-449D-A975-B1B41586F3D1}" type="slidenum">
-              <a:rPr lang="en-US" smtClean="0"/>
-              <a:pPr>
-                <a:defRPr/>
-              </a:pPr>
-              <a:t>6</a:t>
-            </a:fld>
-            <a:endParaRPr lang="en-US" dirty="0"/>
-          </a:p>
-        </p:txBody>
-      </p:sp>
-      <p:pic>
-        <p:nvPicPr>
-          <p:cNvPr id="5" name="Picture 4" descr="Slide2.jpg"/>
-          <p:cNvPicPr>
-            <a:picLocks noChangeAspect="1"/>
-          </p:cNvPicPr>
-          <p:nvPr/>
-        </p:nvPicPr>
-        <p:blipFill rotWithShape="1">
-          <a:blip r:embed="rId2">
-            <a:extLst>
-              <a:ext uri="{28A0092B-C50C-407E-A947-70E740481C1C}">
-                <a14:useLocalDpi xmlns:a14="http://schemas.microsoft.com/office/drawing/2010/main" val="0"/>
-              </a:ext>
-            </a:extLst>
-          </a:blip>
-          <a:srcRect l="2639" t="10370" r="4167" b="5556"/>
-          <a:stretch/>
-        </p:blipFill>
-        <p:spPr>
-          <a:xfrm>
-            <a:off x="241300" y="711200"/>
-            <a:ext cx="8521700" cy="5765800"/>
-          </a:xfrm>
-          <a:prstGeom prst="rect">
-            <a:avLst/>
-          </a:prstGeom>
-        </p:spPr>
-      </p:pic>
-    </p:spTree>
-    <p:extLst>
-      <p:ext uri="{BB962C8B-B14F-4D97-AF65-F5344CB8AC3E}">
-        <p14:creationId xmlns:p14="http://schemas.microsoft.com/office/powerpoint/2010/main" val="2519205172"/>
-      </p:ext>
-    </p:extLst>
-  </p:cSld>
-  <p:clrMapOvr>
-    <a:masterClrMapping/>
-  </p:clrMapOvr>
-  <p:timing>
-    <p:tnLst>
-      <p:par>
-        <p:cTn xmlns:p14="http://schemas.microsoft.com/office/powerpoint/2010/main" id="1" dur="indefinite" restart="never" nodeType="tmRoot"/>
-      </p:par>
-    </p:tnLst>
-  </p:timing>
-</p:sld>
-</file>
-
-<file path=ppt/slides/slide7.xml><?xml version="1.0" encoding="utf-8"?>
-<p:sld xmlns:a="http://schemas.openxmlformats.org/drawingml/2006/main" xmlns:r="http://schemas.openxmlformats.org/officeDocument/2006/relationships" xmlns:p="http://schemas.openxmlformats.org/presentationml/2006/main">
-  <p:cSld>
-    <p:spTree>
-      <p:nvGrpSpPr>
-        <p:cNvPr id="1" name=""/>
-        <p:cNvGrpSpPr/>
-        <p:nvPr/>
-      </p:nvGrpSpPr>
-      <p:grpSpPr>
-        <a:xfrm>
-          <a:off x="0" y="0"/>
-          <a:ext cx="0" cy="0"/>
-          <a:chOff x="0" y="0"/>
-          <a:chExt cx="0" cy="0"/>
-        </a:xfrm>
-      </p:grpSpPr>
-      <p:sp>
-        <p:nvSpPr>
-          <p:cNvPr id="3" name="Content Placeholder 2"/>
-          <p:cNvSpPr>
-            <a:spLocks noGrp="1"/>
-          </p:cNvSpPr>
-          <p:nvPr>
-            <p:ph idx="1"/>
-          </p:nvPr>
-        </p:nvSpPr>
-        <p:spPr>
-          <a:xfrm>
-            <a:off x="152400" y="1790700"/>
-            <a:ext cx="8636000" cy="3619500"/>
-          </a:xfrm>
-        </p:spPr>
-        <p:txBody>
-          <a:bodyPr/>
-          <a:lstStyle/>
-          <a:p>
-            <a:pPr marL="0" indent="0">
-              <a:buNone/>
-            </a:pPr>
-            <a:r>
-              <a:rPr lang="en-US" i="1" dirty="0" smtClean="0"/>
-              <a:t>August: Hear about the work plans for OSG, our Satellites</a:t>
-            </a:r>
-            <a:r>
-              <a:rPr lang="en-US" i="1" dirty="0"/>
-              <a:t> </a:t>
-            </a:r>
-            <a:r>
-              <a:rPr lang="en-US" i="1" dirty="0" smtClean="0"/>
-              <a:t>and our members. Identify gaps in addressing the needs and objectives of members. Decide on sub-groups of (</a:t>
-            </a:r>
-            <a:r>
-              <a:rPr lang="en-US" i="1" dirty="0" err="1" smtClean="0"/>
-              <a:t>delegees</a:t>
-            </a:r>
-            <a:r>
-              <a:rPr lang="en-US" i="1" dirty="0" smtClean="0"/>
-              <a:t> of)  the Council to think about whether and/or how to address these gaps.</a:t>
-            </a:r>
-          </a:p>
-          <a:p>
-            <a:pPr marL="0" indent="0">
-              <a:buNone/>
-            </a:pPr>
-            <a:endParaRPr lang="en-US" i="1" dirty="0"/>
-          </a:p>
-          <a:p>
-            <a:pPr marL="0" indent="0">
-              <a:buNone/>
-            </a:pPr>
-            <a:r>
-              <a:rPr lang="en-US" dirty="0" smtClean="0"/>
-              <a:t>March: Decided on 3 sub-committees. Reports available for discussion later in the meeting.</a:t>
-            </a:r>
-            <a:endParaRPr lang="en-US" dirty="0"/>
-          </a:p>
-          <a:p>
-            <a:pPr marL="0" indent="0">
-              <a:buNone/>
-            </a:pPr>
-            <a:r>
-              <a:rPr lang="en-US" dirty="0" smtClean="0"/>
-              <a:t> </a:t>
-            </a:r>
-            <a:endParaRPr lang="en-US" dirty="0"/>
-          </a:p>
-        </p:txBody>
-      </p:sp>
-      <p:sp>
-        <p:nvSpPr>
-          <p:cNvPr id="4" name="Slide Number Placeholder 3"/>
-          <p:cNvSpPr>
-            <a:spLocks noGrp="1"/>
-          </p:cNvSpPr>
-          <p:nvPr>
-            <p:ph type="sldNum" sz="quarter" idx="10"/>
-          </p:nvPr>
-        </p:nvSpPr>
-        <p:spPr/>
-        <p:txBody>
-          <a:bodyPr/>
-          <a:lstStyle/>
-          <a:p>
-            <a:pPr>
-              <a:defRPr/>
-            </a:pPr>
-            <a:fld id="{038AB4BC-D760-449D-A975-B1B41586F3D1}" type="slidenum">
-              <a:rPr lang="en-US" smtClean="0"/>
-              <a:pPr>
-                <a:defRPr/>
-              </a:pPr>
-              <a:t>7</a:t>
-            </a:fld>
-            <a:endParaRPr lang="en-US" dirty="0"/>
-          </a:p>
-        </p:txBody>
-      </p:sp>
-      <p:sp>
-        <p:nvSpPr>
-          <p:cNvPr id="6" name="Title 1"/>
-          <p:cNvSpPr>
-            <a:spLocks noGrp="1"/>
-          </p:cNvSpPr>
-          <p:nvPr>
-            <p:ph type="title"/>
-          </p:nvPr>
-        </p:nvSpPr>
-        <p:spPr>
-          <a:xfrm>
-            <a:off x="685800" y="0"/>
-            <a:ext cx="6946900" cy="1143000"/>
-          </a:xfrm>
-        </p:spPr>
-        <p:txBody>
-          <a:bodyPr/>
-          <a:lstStyle/>
-          <a:p>
-            <a:r>
-              <a:rPr lang="en-US" dirty="0" smtClean="0"/>
-              <a:t>Aug 2012 - Mar 2013 cont.</a:t>
-            </a:r>
-            <a:endParaRPr lang="en-US" dirty="0"/>
-          </a:p>
-        </p:txBody>
-      </p:sp>
-    </p:spTree>
-    <p:extLst>
-      <p:ext uri="{BB962C8B-B14F-4D97-AF65-F5344CB8AC3E}">
-        <p14:creationId xmlns:p14="http://schemas.microsoft.com/office/powerpoint/2010/main" val="2585140102"/>
-      </p:ext>
-    </p:extLst>
-  </p:cSld>
-  <p:clrMapOvr>
-    <a:masterClrMapping/>
-  </p:clrMapOvr>
-  <p:timing>
-    <p:tnLst>
-      <p:par>
-        <p:cTn xmlns:p14="http://schemas.microsoft.com/office/powerpoint/2010/main" id="1" dur="indefinite" restart="never" nodeType="tmRoot"/>
-      </p:par>
-    </p:tnLst>
-  </p:timing>
-</p:sld>
-</file>
-
-<file path=ppt/slides/slide8.xml><?xml version="1.0" encoding="utf-8"?>
-<p:sld xmlns:a="http://schemas.openxmlformats.org/drawingml/2006/main" xmlns:r="http://schemas.openxmlformats.org/officeDocument/2006/relationships" xmlns:p="http://schemas.openxmlformats.org/presentationml/2006/main">
-  <p:cSld>
-    <p:spTree>
-      <p:nvGrpSpPr>
-        <p:cNvPr id="1" name=""/>
-        <p:cNvGrpSpPr/>
-        <p:nvPr/>
-      </p:nvGrpSpPr>
-      <p:grpSpPr>
-        <a:xfrm>
-          <a:off x="0" y="0"/>
-          <a:ext cx="0" cy="0"/>
-          <a:chOff x="0" y="0"/>
-          <a:chExt cx="0" cy="0"/>
-        </a:xfrm>
-      </p:grpSpPr>
-      <p:sp>
-        <p:nvSpPr>
-          <p:cNvPr id="2" name="Title 1"/>
-          <p:cNvSpPr>
-            <a:spLocks noGrp="1"/>
-          </p:cNvSpPr>
-          <p:nvPr>
-            <p:ph type="title"/>
-          </p:nvPr>
-        </p:nvSpPr>
-        <p:spPr/>
-        <p:txBody>
-          <a:bodyPr/>
-          <a:lstStyle/>
-          <a:p>
-            <a:r>
-              <a:rPr lang="en-US" dirty="0" smtClean="0"/>
-              <a:t>Ongoing Actions</a:t>
-            </a:r>
-            <a:endParaRPr lang="en-US" dirty="0"/>
-          </a:p>
-        </p:txBody>
-      </p:sp>
-      <p:sp>
-        <p:nvSpPr>
-          <p:cNvPr id="3" name="Content Placeholder 2"/>
-          <p:cNvSpPr>
-            <a:spLocks noGrp="1"/>
-          </p:cNvSpPr>
-          <p:nvPr>
-            <p:ph idx="1"/>
-          </p:nvPr>
-        </p:nvSpPr>
-        <p:spPr/>
-        <p:txBody>
-          <a:bodyPr/>
-          <a:lstStyle/>
-          <a:p>
-            <a:r>
-              <a:rPr lang="en-US" dirty="0" smtClean="0"/>
-              <a:t>Keep list of action items which are followed up on and are closed. Now at ~90 of which ~5 remain open. </a:t>
-            </a:r>
-          </a:p>
-          <a:p>
-            <a:pPr lvl="1"/>
-            <a:r>
-              <a:rPr lang="en-US" dirty="0" smtClean="0"/>
-              <a:t>Too Many.</a:t>
-            </a:r>
-          </a:p>
-          <a:p>
-            <a:pPr lvl="1"/>
-            <a:r>
-              <a:rPr lang="en-US" dirty="0" smtClean="0"/>
-              <a:t>Not all “complete” – some “dropped”.</a:t>
-            </a:r>
-          </a:p>
-          <a:p>
-            <a:endParaRPr lang="en-US" dirty="0"/>
-          </a:p>
-          <a:p>
-            <a:r>
-              <a:rPr lang="en-US" dirty="0" smtClean="0"/>
-              <a:t>Keep to Roberts rules of order to help move the agenda forward.</a:t>
-            </a:r>
-          </a:p>
-          <a:p>
-            <a:pPr lvl="1"/>
-            <a:r>
-              <a:rPr lang="en-US" dirty="0" smtClean="0"/>
-              <a:t>Work in progress</a:t>
-            </a:r>
-            <a:endParaRPr lang="en-US" dirty="0"/>
-          </a:p>
-        </p:txBody>
-      </p:sp>
-      <p:sp>
-        <p:nvSpPr>
-          <p:cNvPr id="4" name="Slide Number Placeholder 3"/>
-          <p:cNvSpPr>
-            <a:spLocks noGrp="1"/>
-          </p:cNvSpPr>
-          <p:nvPr>
-            <p:ph type="sldNum" sz="quarter" idx="10"/>
-          </p:nvPr>
-        </p:nvSpPr>
-        <p:spPr/>
-        <p:txBody>
-          <a:bodyPr/>
-          <a:lstStyle/>
-          <a:p>
-            <a:pPr>
-              <a:defRPr/>
-            </a:pPr>
-            <a:fld id="{038AB4BC-D760-449D-A975-B1B41586F3D1}" type="slidenum">
-              <a:rPr lang="en-US" smtClean="0"/>
-              <a:pPr>
-                <a:defRPr/>
-              </a:pPr>
-              <a:t>8</a:t>
-            </a:fld>
-            <a:endParaRPr lang="en-US" dirty="0"/>
-          </a:p>
-        </p:txBody>
-      </p:sp>
-    </p:spTree>
-    <p:extLst>
-      <p:ext uri="{BB962C8B-B14F-4D97-AF65-F5344CB8AC3E}">
-        <p14:creationId xmlns:p14="http://schemas.microsoft.com/office/powerpoint/2010/main" val="4124046572"/>
-      </p:ext>
-    </p:extLst>
-  </p:cSld>
-  <p:clrMapOvr>
-    <a:masterClrMapping/>
-  </p:clrMapOvr>
-  <p:timing>
-    <p:tnLst>
-      <p:par>
-        <p:cTn xmlns:p14="http://schemas.microsoft.com/office/powerpoint/2010/main" id="1" dur="indefinite" restart="never" nodeType="tmRoot"/>
-      </p:par>
-    </p:tnLst>
-  </p:timing>
-</p:sld>
-</file>
-
-<file path=ppt/slides/slide9.xml><?xml version="1.0" encoding="utf-8"?>
-<p:sld xmlns:a="http://schemas.openxmlformats.org/drawingml/2006/main" xmlns:r="http://schemas.openxmlformats.org/officeDocument/2006/relationships" xmlns:p="http://schemas.openxmlformats.org/presentationml/2006/main">
-  <p:cSld>
-    <p:spTree>
-      <p:nvGrpSpPr>
-        <p:cNvPr id="1" name=""/>
-        <p:cNvGrpSpPr/>
-        <p:nvPr/>
-      </p:nvGrpSpPr>
-      <p:grpSpPr>
-        <a:xfrm>
-          <a:off x="0" y="0"/>
-          <a:ext cx="0" cy="0"/>
-          <a:chOff x="0" y="0"/>
-          <a:chExt cx="0" cy="0"/>
-        </a:xfrm>
-      </p:grpSpPr>
-      <p:sp>
-        <p:nvSpPr>
-          <p:cNvPr id="3" name="Content Placeholder 2"/>
-          <p:cNvSpPr>
-            <a:spLocks noGrp="1"/>
-          </p:cNvSpPr>
-          <p:nvPr>
-            <p:ph idx="1"/>
-          </p:nvPr>
-        </p:nvSpPr>
-        <p:spPr>
-          <a:xfrm>
-            <a:off x="88900" y="1333500"/>
-            <a:ext cx="8940800" cy="4686300"/>
-          </a:xfrm>
-        </p:spPr>
-        <p:txBody>
-          <a:bodyPr/>
-          <a:lstStyle/>
-          <a:p>
-            <a:pPr marL="0" indent="0">
-              <a:buNone/>
-            </a:pPr>
-            <a:r>
-              <a:rPr lang="en-US" dirty="0"/>
-              <a:t>Understand /endorse progress and direction of the OSG Project</a:t>
-            </a:r>
-            <a:r>
-              <a:rPr lang="en-US" dirty="0" smtClean="0"/>
-              <a:t>.</a:t>
-            </a:r>
-          </a:p>
-          <a:p>
-            <a:pPr marL="0" indent="0">
-              <a:buNone/>
-            </a:pPr>
-            <a:endParaRPr lang="en-US" dirty="0"/>
-          </a:p>
-          <a:p>
-            <a:pPr marL="0" indent="0">
-              <a:buNone/>
-            </a:pPr>
-            <a:r>
-              <a:rPr lang="en-US" dirty="0" smtClean="0"/>
-              <a:t>Hear about usage and plan for use of OSG SP by XSEDE allocated applications.. and update on being an SP.</a:t>
-            </a:r>
-          </a:p>
-          <a:p>
-            <a:pPr marL="0" indent="0">
-              <a:buNone/>
-            </a:pPr>
-            <a:endParaRPr lang="en-US" dirty="0"/>
-          </a:p>
-          <a:p>
-            <a:pPr marL="0" indent="0">
-              <a:buNone/>
-            </a:pPr>
-            <a:r>
-              <a:rPr lang="en-US" dirty="0" smtClean="0"/>
-              <a:t>Hear, discuss, (no worries?) about PKI transition project progress (DOE Grids stops issuing certs Mar 23</a:t>
-            </a:r>
-            <a:r>
-              <a:rPr lang="en-US" baseline="30000" dirty="0" smtClean="0"/>
-              <a:t>rd</a:t>
-            </a:r>
-            <a:r>
-              <a:rPr lang="en-US" dirty="0" smtClean="0"/>
-              <a:t>) and new Satellite on VO IDM.</a:t>
-            </a:r>
-            <a:endParaRPr lang="en-US" dirty="0"/>
-          </a:p>
-          <a:p>
-            <a:pPr marL="0" indent="0">
-              <a:buNone/>
-            </a:pPr>
-            <a:endParaRPr lang="en-US" dirty="0"/>
-          </a:p>
-          <a:p>
-            <a:pPr marL="0" indent="0">
-              <a:buNone/>
-            </a:pPr>
-            <a:r>
-              <a:rPr lang="en-US" dirty="0"/>
-              <a:t>Review/understand the 3 sub-committee reports.</a:t>
-            </a:r>
-          </a:p>
-          <a:p>
-            <a:pPr marL="0" indent="0">
-              <a:buNone/>
-            </a:pPr>
-            <a:endParaRPr lang="en-US" dirty="0"/>
-          </a:p>
-          <a:p>
-            <a:pPr marL="0" indent="0">
-              <a:buNone/>
-            </a:pPr>
-            <a:r>
-              <a:rPr lang="en-US" dirty="0" smtClean="0"/>
-              <a:t>Council </a:t>
-            </a:r>
-            <a:r>
-              <a:rPr lang="en-US" dirty="0"/>
-              <a:t>members visions </a:t>
-            </a:r>
-            <a:r>
-              <a:rPr lang="en-US" dirty="0" smtClean="0"/>
-              <a:t>on continuing to carry </a:t>
-            </a:r>
-            <a:r>
-              <a:rPr lang="en-US" dirty="0"/>
-              <a:t>the </a:t>
-            </a:r>
-            <a:r>
-              <a:rPr lang="en-US" dirty="0" smtClean="0"/>
-              <a:t>torch/flame.</a:t>
-            </a:r>
-            <a:endParaRPr lang="en-US" dirty="0"/>
-          </a:p>
-          <a:p>
-            <a:pPr marL="0" indent="0">
-              <a:buNone/>
-            </a:pPr>
-            <a:endParaRPr lang="en-US" dirty="0"/>
-          </a:p>
-        </p:txBody>
-      </p:sp>
-      <p:sp>
-        <p:nvSpPr>
-          <p:cNvPr id="4" name="Slide Number Placeholder 3"/>
-          <p:cNvSpPr>
-            <a:spLocks noGrp="1"/>
-          </p:cNvSpPr>
-          <p:nvPr>
-            <p:ph type="sldNum" sz="quarter" idx="10"/>
-          </p:nvPr>
-        </p:nvSpPr>
-        <p:spPr/>
-        <p:txBody>
-          <a:bodyPr/>
-          <a:lstStyle/>
-          <a:p>
-            <a:pPr>
-              <a:defRPr/>
-            </a:pPr>
-            <a:fld id="{038AB4BC-D760-449D-A975-B1B41586F3D1}" type="slidenum">
-              <a:rPr lang="en-US" smtClean="0"/>
-              <a:pPr>
-                <a:defRPr/>
-              </a:pPr>
-              <a:t>9</a:t>
-            </a:fld>
-            <a:endParaRPr lang="en-US" dirty="0"/>
-          </a:p>
-        </p:txBody>
-      </p:sp>
-      <p:sp>
-        <p:nvSpPr>
-          <p:cNvPr id="5" name="Title 1"/>
-          <p:cNvSpPr>
-            <a:spLocks noGrp="1"/>
-          </p:cNvSpPr>
-          <p:nvPr>
-            <p:ph type="title"/>
-          </p:nvPr>
-        </p:nvSpPr>
-        <p:spPr>
-          <a:xfrm>
-            <a:off x="685800" y="0"/>
-            <a:ext cx="6946900" cy="1143000"/>
-          </a:xfrm>
-        </p:spPr>
-        <p:txBody>
-          <a:bodyPr/>
-          <a:lstStyle/>
-          <a:p>
-            <a:r>
-              <a:rPr lang="en-US" dirty="0" smtClean="0"/>
-              <a:t>Agenda for this meeting</a:t>
-            </a:r>
-            <a:endParaRPr lang="en-US" dirty="0"/>
-          </a:p>
-        </p:txBody>
-      </p:sp>
-    </p:spTree>
-    <p:extLst>
-      <p:ext uri="{BB962C8B-B14F-4D97-AF65-F5344CB8AC3E}">
-        <p14:creationId xmlns:p14="http://schemas.microsoft.com/office/powerpoint/2010/main" val="374295766"/>
       </p:ext>
     </p:extLst>
   </p:cSld>
